--- a/skill-identity-card/final/SupremeX_JawaharlalNehruEngineeringCollege_HCK_ad6687d31907423c_Round1.pptx
+++ b/skill-identity-card/final/SupremeX_JawaharlalNehruEngineeringCollege_HCK_ad6687d31907423c_Round1.pptx
@@ -1,32 +1,32 @@
 
 <file path=ppt/presentation.xml><?xml version="1.0" encoding="utf-8"?>
-<p:presentation xmlns:a="http://schemas.openxmlformats.org/drawingml/2006/main" xmlns:r="http://schemas.openxmlformats.org/officeDocument/2006/relationships" xmlns:p="http://schemas.openxmlformats.org/presentationml/2006/main" embedTrueTypeFonts="1" saveSubsetFonts="1">
+<p:presentation xmlns:a="http://schemas.openxmlformats.org/drawingml/2006/main" xmlns:r="http://schemas.openxmlformats.org/officeDocument/2006/relationships" xmlns:p="http://schemas.openxmlformats.org/presentationml/2006/main" saveSubsetFonts="1" embedTrueTypeFonts="true">
   <p:sldMasterIdLst>
     <p:sldMasterId id="2147483648" r:id="rId1"/>
   </p:sldMasterIdLst>
   <p:sldIdLst>
-    <p:sldId id="256" r:id="rId2"/>
-    <p:sldId id="257" r:id="rId3"/>
-    <p:sldId id="258" r:id="rId4"/>
-    <p:sldId id="259" r:id="rId5"/>
-    <p:sldId id="260" r:id="rId6"/>
-    <p:sldId id="261" r:id="rId7"/>
-    <p:sldId id="262" r:id="rId8"/>
+    <p:sldId id="256" r:id="rId6"/>
+    <p:sldId id="257" r:id="rId7"/>
+    <p:sldId id="258" r:id="rId8"/>
+    <p:sldId id="259" r:id="rId9"/>
+    <p:sldId id="260" r:id="rId10"/>
+    <p:sldId id="261" r:id="rId11"/>
+    <p:sldId id="262" r:id="rId12"/>
   </p:sldIdLst>
   <p:sldSz cx="18288000" cy="10287000"/>
   <p:notesSz cx="6858000" cy="9144000"/>
   <p:embeddedFontLst>
     <p:embeddedFont>
-      <p:font typeface="DM Sans" pitchFamily="2" charset="0"/>
-      <p:regular r:id="rId9"/>
+      <p:font typeface="DM Sans Bold" charset="1" panose="00000000000000000000"/>
+      <p:regular r:id="rId13"/>
     </p:embeddedFont>
     <p:embeddedFont>
-      <p:font typeface="DM Sans Bold" panose="020B0604020202020204" charset="0"/>
-      <p:regular r:id="rId10"/>
+      <p:font typeface="DM Sans" charset="1" panose="00000000000000000000"/>
+      <p:regular r:id="rId14"/>
     </p:embeddedFont>
     <p:embeddedFont>
-      <p:font typeface="DM Sans Bold Italics" panose="020B0604020202020204" charset="0"/>
-      <p:regular r:id="rId11"/>
+      <p:font typeface="DM Sans Bold Italics" charset="1" panose="00000000000000000000"/>
+      <p:regular r:id="rId15"/>
     </p:embeddedFont>
   </p:embeddedFontLst>
   <p:defaultTextStyle>
@@ -124,22 +124,6 @@
       </a:defRPr>
     </a:lvl9pPr>
   </p:defaultTextStyle>
-  <p:extLst>
-    <p:ext uri="{EFAFB233-063F-42B5-8137-9DF3F51BA10A}">
-      <p15:sldGuideLst xmlns:p15="http://schemas.microsoft.com/office/powerpoint/2012/main">
-        <p15:guide id="1" orient="horz" pos="2160">
-          <p15:clr>
-            <a:srgbClr val="A4A3A4"/>
-          </p15:clr>
-        </p15:guide>
-        <p15:guide id="2" pos="2880">
-          <p15:clr>
-            <a:srgbClr val="A4A3A4"/>
-          </p15:clr>
-        </p15:guide>
-      </p15:sldGuideLst>
-    </p:ext>
-  </p:extLst>
 </p:presentation>
 </file>
 
@@ -181,9 +165,10 @@
           <a:lstStyle/>
           <a:p>
             <a:r>
-              <a:rPr lang="en-US"/>
+              <a:rPr lang="en-US" smtClean="0"/>
               <a:t>Click to edit Master title style</a:t>
             </a:r>
+            <a:endParaRPr lang="en-US"/>
           </a:p>
         </p:txBody>
       </p:sp>
@@ -299,9 +284,10 @@
           </a:lstStyle>
           <a:p>
             <a:r>
-              <a:rPr lang="en-US"/>
+              <a:rPr lang="en-US" smtClean="0"/>
               <a:t>Click to edit Master subtitle style</a:t>
             </a:r>
+            <a:endParaRPr lang="en-US"/>
           </a:p>
         </p:txBody>
       </p:sp>
@@ -323,7 +309,7 @@
             <a:fld id="{1D8BD707-D9CF-40AE-B4C6-C98DA3205C09}" type="datetimeFigureOut">
               <a:rPr lang="en-US" smtClean="0"/>
               <a:pPr/>
-              <a:t>9/26/2025</a:t>
+              <a:t>8/1/2011</a:t>
             </a:fld>
             <a:endParaRPr lang="en-US"/>
           </a:p>
@@ -413,9 +399,10 @@
           <a:lstStyle/>
           <a:p>
             <a:r>
-              <a:rPr lang="en-US"/>
+              <a:rPr lang="en-US" smtClean="0"/>
               <a:t>Click to edit Master title style</a:t>
             </a:r>
+            <a:endParaRPr lang="en-US"/>
           </a:p>
         </p:txBody>
       </p:sp>
@@ -436,37 +423,38 @@
           <a:p>
             <a:pPr lvl="0"/>
             <a:r>
-              <a:rPr lang="en-US"/>
+              <a:rPr lang="en-US" smtClean="0"/>
               <a:t>Click to edit Master text styles</a:t>
             </a:r>
           </a:p>
           <a:p>
             <a:pPr lvl="1"/>
             <a:r>
-              <a:rPr lang="en-US"/>
+              <a:rPr lang="en-US" smtClean="0"/>
               <a:t>Second level</a:t>
             </a:r>
           </a:p>
           <a:p>
             <a:pPr lvl="2"/>
             <a:r>
-              <a:rPr lang="en-US"/>
+              <a:rPr lang="en-US" smtClean="0"/>
               <a:t>Third level</a:t>
             </a:r>
           </a:p>
           <a:p>
             <a:pPr lvl="3"/>
             <a:r>
-              <a:rPr lang="en-US"/>
+              <a:rPr lang="en-US" smtClean="0"/>
               <a:t>Fourth level</a:t>
             </a:r>
           </a:p>
           <a:p>
             <a:pPr lvl="4"/>
             <a:r>
-              <a:rPr lang="en-US"/>
+              <a:rPr lang="en-US" smtClean="0"/>
               <a:t>Fifth level</a:t>
             </a:r>
+            <a:endParaRPr lang="en-US"/>
           </a:p>
         </p:txBody>
       </p:sp>
@@ -488,7 +476,7 @@
             <a:fld id="{1D8BD707-D9CF-40AE-B4C6-C98DA3205C09}" type="datetimeFigureOut">
               <a:rPr lang="en-US" smtClean="0"/>
               <a:pPr/>
-              <a:t>9/26/2025</a:t>
+              <a:t>8/1/2011</a:t>
             </a:fld>
             <a:endParaRPr lang="en-US"/>
           </a:p>
@@ -583,9 +571,10 @@
           <a:lstStyle/>
           <a:p>
             <a:r>
-              <a:rPr lang="en-US"/>
+              <a:rPr lang="en-US" smtClean="0"/>
               <a:t>Click to edit Master title style</a:t>
             </a:r>
+            <a:endParaRPr lang="en-US"/>
           </a:p>
         </p:txBody>
       </p:sp>
@@ -611,37 +600,38 @@
           <a:p>
             <a:pPr lvl="0"/>
             <a:r>
-              <a:rPr lang="en-US"/>
+              <a:rPr lang="en-US" smtClean="0"/>
               <a:t>Click to edit Master text styles</a:t>
             </a:r>
           </a:p>
           <a:p>
             <a:pPr lvl="1"/>
             <a:r>
-              <a:rPr lang="en-US"/>
+              <a:rPr lang="en-US" smtClean="0"/>
               <a:t>Second level</a:t>
             </a:r>
           </a:p>
           <a:p>
             <a:pPr lvl="2"/>
             <a:r>
-              <a:rPr lang="en-US"/>
+              <a:rPr lang="en-US" smtClean="0"/>
               <a:t>Third level</a:t>
             </a:r>
           </a:p>
           <a:p>
             <a:pPr lvl="3"/>
             <a:r>
-              <a:rPr lang="en-US"/>
+              <a:rPr lang="en-US" smtClean="0"/>
               <a:t>Fourth level</a:t>
             </a:r>
           </a:p>
           <a:p>
             <a:pPr lvl="4"/>
             <a:r>
-              <a:rPr lang="en-US"/>
+              <a:rPr lang="en-US" smtClean="0"/>
               <a:t>Fifth level</a:t>
             </a:r>
+            <a:endParaRPr lang="en-US"/>
           </a:p>
         </p:txBody>
       </p:sp>
@@ -663,7 +653,7 @@
             <a:fld id="{1D8BD707-D9CF-40AE-B4C6-C98DA3205C09}" type="datetimeFigureOut">
               <a:rPr lang="en-US" smtClean="0"/>
               <a:pPr/>
-              <a:t>9/26/2025</a:t>
+              <a:t>8/1/2011</a:t>
             </a:fld>
             <a:endParaRPr lang="en-US"/>
           </a:p>
@@ -753,9 +743,10 @@
           <a:lstStyle/>
           <a:p>
             <a:r>
-              <a:rPr lang="en-US"/>
+              <a:rPr lang="en-US" smtClean="0"/>
               <a:t>Click to edit Master title style</a:t>
             </a:r>
+            <a:endParaRPr lang="en-US"/>
           </a:p>
         </p:txBody>
       </p:sp>
@@ -776,37 +767,38 @@
           <a:p>
             <a:pPr lvl="0"/>
             <a:r>
-              <a:rPr lang="en-US"/>
+              <a:rPr lang="en-US" smtClean="0"/>
               <a:t>Click to edit Master text styles</a:t>
             </a:r>
           </a:p>
           <a:p>
             <a:pPr lvl="1"/>
             <a:r>
-              <a:rPr lang="en-US"/>
+              <a:rPr lang="en-US" smtClean="0"/>
               <a:t>Second level</a:t>
             </a:r>
           </a:p>
           <a:p>
             <a:pPr lvl="2"/>
             <a:r>
-              <a:rPr lang="en-US"/>
+              <a:rPr lang="en-US" smtClean="0"/>
               <a:t>Third level</a:t>
             </a:r>
           </a:p>
           <a:p>
             <a:pPr lvl="3"/>
             <a:r>
-              <a:rPr lang="en-US"/>
+              <a:rPr lang="en-US" smtClean="0"/>
               <a:t>Fourth level</a:t>
             </a:r>
           </a:p>
           <a:p>
             <a:pPr lvl="4"/>
             <a:r>
-              <a:rPr lang="en-US"/>
+              <a:rPr lang="en-US" smtClean="0"/>
               <a:t>Fifth level</a:t>
             </a:r>
+            <a:endParaRPr lang="en-US"/>
           </a:p>
         </p:txBody>
       </p:sp>
@@ -828,7 +820,7 @@
             <a:fld id="{1D8BD707-D9CF-40AE-B4C6-C98DA3205C09}" type="datetimeFigureOut">
               <a:rPr lang="en-US" smtClean="0"/>
               <a:pPr/>
-              <a:t>9/26/2025</a:t>
+              <a:t>8/1/2011</a:t>
             </a:fld>
             <a:endParaRPr lang="en-US"/>
           </a:p>
@@ -927,9 +919,10 @@
           </a:lstStyle>
           <a:p>
             <a:r>
-              <a:rPr lang="en-US"/>
+              <a:rPr lang="en-US" smtClean="0"/>
               <a:t>Click to edit Master title style</a:t>
             </a:r>
+            <a:endParaRPr lang="en-US"/>
           </a:p>
         </p:txBody>
       </p:sp>
@@ -1046,7 +1039,7 @@
           <a:p>
             <a:pPr lvl="0"/>
             <a:r>
-              <a:rPr lang="en-US"/>
+              <a:rPr lang="en-US" smtClean="0"/>
               <a:t>Click to edit Master text styles</a:t>
             </a:r>
           </a:p>
@@ -1070,7 +1063,7 @@
             <a:fld id="{1D8BD707-D9CF-40AE-B4C6-C98DA3205C09}" type="datetimeFigureOut">
               <a:rPr lang="en-US" smtClean="0"/>
               <a:pPr/>
-              <a:t>9/26/2025</a:t>
+              <a:t>8/1/2011</a:t>
             </a:fld>
             <a:endParaRPr lang="en-US"/>
           </a:p>
@@ -1160,9 +1153,10 @@
           <a:lstStyle/>
           <a:p>
             <a:r>
-              <a:rPr lang="en-US"/>
+              <a:rPr lang="en-US" smtClean="0"/>
               <a:t>Click to edit Master title style</a:t>
             </a:r>
+            <a:endParaRPr lang="en-US"/>
           </a:p>
         </p:txBody>
       </p:sp>
@@ -1216,37 +1210,38 @@
           <a:p>
             <a:pPr lvl="0"/>
             <a:r>
-              <a:rPr lang="en-US"/>
+              <a:rPr lang="en-US" smtClean="0"/>
               <a:t>Click to edit Master text styles</a:t>
             </a:r>
           </a:p>
           <a:p>
             <a:pPr lvl="1"/>
             <a:r>
-              <a:rPr lang="en-US"/>
+              <a:rPr lang="en-US" smtClean="0"/>
               <a:t>Second level</a:t>
             </a:r>
           </a:p>
           <a:p>
             <a:pPr lvl="2"/>
             <a:r>
-              <a:rPr lang="en-US"/>
+              <a:rPr lang="en-US" smtClean="0"/>
               <a:t>Third level</a:t>
             </a:r>
           </a:p>
           <a:p>
             <a:pPr lvl="3"/>
             <a:r>
-              <a:rPr lang="en-US"/>
+              <a:rPr lang="en-US" smtClean="0"/>
               <a:t>Fourth level</a:t>
             </a:r>
           </a:p>
           <a:p>
             <a:pPr lvl="4"/>
             <a:r>
-              <a:rPr lang="en-US"/>
+              <a:rPr lang="en-US" smtClean="0"/>
               <a:t>Fifth level</a:t>
             </a:r>
+            <a:endParaRPr lang="en-US"/>
           </a:p>
         </p:txBody>
       </p:sp>
@@ -1300,37 +1295,38 @@
           <a:p>
             <a:pPr lvl="0"/>
             <a:r>
-              <a:rPr lang="en-US"/>
+              <a:rPr lang="en-US" smtClean="0"/>
               <a:t>Click to edit Master text styles</a:t>
             </a:r>
           </a:p>
           <a:p>
             <a:pPr lvl="1"/>
             <a:r>
-              <a:rPr lang="en-US"/>
+              <a:rPr lang="en-US" smtClean="0"/>
               <a:t>Second level</a:t>
             </a:r>
           </a:p>
           <a:p>
             <a:pPr lvl="2"/>
             <a:r>
-              <a:rPr lang="en-US"/>
+              <a:rPr lang="en-US" smtClean="0"/>
               <a:t>Third level</a:t>
             </a:r>
           </a:p>
           <a:p>
             <a:pPr lvl="3"/>
             <a:r>
-              <a:rPr lang="en-US"/>
+              <a:rPr lang="en-US" smtClean="0"/>
               <a:t>Fourth level</a:t>
             </a:r>
           </a:p>
           <a:p>
             <a:pPr lvl="4"/>
             <a:r>
-              <a:rPr lang="en-US"/>
+              <a:rPr lang="en-US" smtClean="0"/>
               <a:t>Fifth level</a:t>
             </a:r>
+            <a:endParaRPr lang="en-US"/>
           </a:p>
         </p:txBody>
       </p:sp>
@@ -1352,7 +1348,7 @@
             <a:fld id="{1D8BD707-D9CF-40AE-B4C6-C98DA3205C09}" type="datetimeFigureOut">
               <a:rPr lang="en-US" smtClean="0"/>
               <a:pPr/>
-              <a:t>9/26/2025</a:t>
+              <a:t>8/1/2011</a:t>
             </a:fld>
             <a:endParaRPr lang="en-US"/>
           </a:p>
@@ -1446,9 +1442,10 @@
           </a:lstStyle>
           <a:p>
             <a:r>
-              <a:rPr lang="en-US"/>
+              <a:rPr lang="en-US" smtClean="0"/>
               <a:t>Click to edit Master title style</a:t>
             </a:r>
+            <a:endParaRPr lang="en-US"/>
           </a:p>
         </p:txBody>
       </p:sp>
@@ -1511,7 +1508,7 @@
           <a:p>
             <a:pPr lvl="0"/>
             <a:r>
-              <a:rPr lang="en-US"/>
+              <a:rPr lang="en-US" smtClean="0"/>
               <a:t>Click to edit Master text styles</a:t>
             </a:r>
           </a:p>
@@ -1567,37 +1564,38 @@
           <a:p>
             <a:pPr lvl="0"/>
             <a:r>
-              <a:rPr lang="en-US"/>
+              <a:rPr lang="en-US" smtClean="0"/>
               <a:t>Click to edit Master text styles</a:t>
             </a:r>
           </a:p>
           <a:p>
             <a:pPr lvl="1"/>
             <a:r>
-              <a:rPr lang="en-US"/>
+              <a:rPr lang="en-US" smtClean="0"/>
               <a:t>Second level</a:t>
             </a:r>
           </a:p>
           <a:p>
             <a:pPr lvl="2"/>
             <a:r>
-              <a:rPr lang="en-US"/>
+              <a:rPr lang="en-US" smtClean="0"/>
               <a:t>Third level</a:t>
             </a:r>
           </a:p>
           <a:p>
             <a:pPr lvl="3"/>
             <a:r>
-              <a:rPr lang="en-US"/>
+              <a:rPr lang="en-US" smtClean="0"/>
               <a:t>Fourth level</a:t>
             </a:r>
           </a:p>
           <a:p>
             <a:pPr lvl="4"/>
             <a:r>
-              <a:rPr lang="en-US"/>
+              <a:rPr lang="en-US" smtClean="0"/>
               <a:t>Fifth level</a:t>
             </a:r>
+            <a:endParaRPr lang="en-US"/>
           </a:p>
         </p:txBody>
       </p:sp>
@@ -1660,7 +1658,7 @@
           <a:p>
             <a:pPr lvl="0"/>
             <a:r>
-              <a:rPr lang="en-US"/>
+              <a:rPr lang="en-US" smtClean="0"/>
               <a:t>Click to edit Master text styles</a:t>
             </a:r>
           </a:p>
@@ -1716,37 +1714,38 @@
           <a:p>
             <a:pPr lvl="0"/>
             <a:r>
-              <a:rPr lang="en-US"/>
+              <a:rPr lang="en-US" smtClean="0"/>
               <a:t>Click to edit Master text styles</a:t>
             </a:r>
           </a:p>
           <a:p>
             <a:pPr lvl="1"/>
             <a:r>
-              <a:rPr lang="en-US"/>
+              <a:rPr lang="en-US" smtClean="0"/>
               <a:t>Second level</a:t>
             </a:r>
           </a:p>
           <a:p>
             <a:pPr lvl="2"/>
             <a:r>
-              <a:rPr lang="en-US"/>
+              <a:rPr lang="en-US" smtClean="0"/>
               <a:t>Third level</a:t>
             </a:r>
           </a:p>
           <a:p>
             <a:pPr lvl="3"/>
             <a:r>
-              <a:rPr lang="en-US"/>
+              <a:rPr lang="en-US" smtClean="0"/>
               <a:t>Fourth level</a:t>
             </a:r>
           </a:p>
           <a:p>
             <a:pPr lvl="4"/>
             <a:r>
-              <a:rPr lang="en-US"/>
+              <a:rPr lang="en-US" smtClean="0"/>
               <a:t>Fifth level</a:t>
             </a:r>
+            <a:endParaRPr lang="en-US"/>
           </a:p>
         </p:txBody>
       </p:sp>
@@ -1768,7 +1767,7 @@
             <a:fld id="{1D8BD707-D9CF-40AE-B4C6-C98DA3205C09}" type="datetimeFigureOut">
               <a:rPr lang="en-US" smtClean="0"/>
               <a:pPr/>
-              <a:t>9/26/2025</a:t>
+              <a:t>8/1/2011</a:t>
             </a:fld>
             <a:endParaRPr lang="en-US"/>
           </a:p>
@@ -1858,9 +1857,10 @@
           <a:lstStyle/>
           <a:p>
             <a:r>
-              <a:rPr lang="en-US"/>
+              <a:rPr lang="en-US" smtClean="0"/>
               <a:t>Click to edit Master title style</a:t>
             </a:r>
+            <a:endParaRPr lang="en-US"/>
           </a:p>
         </p:txBody>
       </p:sp>
@@ -1882,7 +1882,7 @@
             <a:fld id="{1D8BD707-D9CF-40AE-B4C6-C98DA3205C09}" type="datetimeFigureOut">
               <a:rPr lang="en-US" smtClean="0"/>
               <a:pPr/>
-              <a:t>9/26/2025</a:t>
+              <a:t>8/1/2011</a:t>
             </a:fld>
             <a:endParaRPr lang="en-US"/>
           </a:p>
@@ -1974,7 +1974,7 @@
             <a:fld id="{1D8BD707-D9CF-40AE-B4C6-C98DA3205C09}" type="datetimeFigureOut">
               <a:rPr lang="en-US" smtClean="0"/>
               <a:pPr/>
-              <a:t>9/26/2025</a:t>
+              <a:t>8/1/2011</a:t>
             </a:fld>
             <a:endParaRPr lang="en-US"/>
           </a:p>
@@ -2073,9 +2073,10 @@
           </a:lstStyle>
           <a:p>
             <a:r>
-              <a:rPr lang="en-US"/>
+              <a:rPr lang="en-US" smtClean="0"/>
               <a:t>Click to edit Master title style</a:t>
             </a:r>
+            <a:endParaRPr lang="en-US"/>
           </a:p>
         </p:txBody>
       </p:sp>
@@ -2129,37 +2130,38 @@
           <a:p>
             <a:pPr lvl="0"/>
             <a:r>
-              <a:rPr lang="en-US"/>
+              <a:rPr lang="en-US" smtClean="0"/>
               <a:t>Click to edit Master text styles</a:t>
             </a:r>
           </a:p>
           <a:p>
             <a:pPr lvl="1"/>
             <a:r>
-              <a:rPr lang="en-US"/>
+              <a:rPr lang="en-US" smtClean="0"/>
               <a:t>Second level</a:t>
             </a:r>
           </a:p>
           <a:p>
             <a:pPr lvl="2"/>
             <a:r>
-              <a:rPr lang="en-US"/>
+              <a:rPr lang="en-US" smtClean="0"/>
               <a:t>Third level</a:t>
             </a:r>
           </a:p>
           <a:p>
             <a:pPr lvl="3"/>
             <a:r>
-              <a:rPr lang="en-US"/>
+              <a:rPr lang="en-US" smtClean="0"/>
               <a:t>Fourth level</a:t>
             </a:r>
           </a:p>
           <a:p>
             <a:pPr lvl="4"/>
             <a:r>
-              <a:rPr lang="en-US"/>
+              <a:rPr lang="en-US" smtClean="0"/>
               <a:t>Fifth level</a:t>
             </a:r>
+            <a:endParaRPr lang="en-US"/>
           </a:p>
         </p:txBody>
       </p:sp>
@@ -2222,7 +2224,7 @@
           <a:p>
             <a:pPr lvl="0"/>
             <a:r>
-              <a:rPr lang="en-US"/>
+              <a:rPr lang="en-US" smtClean="0"/>
               <a:t>Click to edit Master text styles</a:t>
             </a:r>
           </a:p>
@@ -2246,7 +2248,7 @@
             <a:fld id="{1D8BD707-D9CF-40AE-B4C6-C98DA3205C09}" type="datetimeFigureOut">
               <a:rPr lang="en-US" smtClean="0"/>
               <a:pPr/>
-              <a:t>9/26/2025</a:t>
+              <a:t>8/1/2011</a:t>
             </a:fld>
             <a:endParaRPr lang="en-US"/>
           </a:p>
@@ -2345,9 +2347,10 @@
           </a:lstStyle>
           <a:p>
             <a:r>
-              <a:rPr lang="en-US"/>
+              <a:rPr lang="en-US" smtClean="0"/>
               <a:t>Click to edit Master title style</a:t>
             </a:r>
+            <a:endParaRPr lang="en-US"/>
           </a:p>
         </p:txBody>
       </p:sp>
@@ -2471,7 +2474,7 @@
           <a:p>
             <a:pPr lvl="0"/>
             <a:r>
-              <a:rPr lang="en-US"/>
+              <a:rPr lang="en-US" smtClean="0"/>
               <a:t>Click to edit Master text styles</a:t>
             </a:r>
           </a:p>
@@ -2495,7 +2498,7 @@
             <a:fld id="{1D8BD707-D9CF-40AE-B4C6-C98DA3205C09}" type="datetimeFigureOut">
               <a:rPr lang="en-US" smtClean="0"/>
               <a:pPr/>
-              <a:t>9/26/2025</a:t>
+              <a:t>8/1/2011</a:t>
             </a:fld>
             <a:endParaRPr lang="en-US"/>
           </a:p>
@@ -2600,9 +2603,10 @@
           <a:lstStyle/>
           <a:p>
             <a:r>
-              <a:rPr lang="en-US"/>
+              <a:rPr lang="en-US" smtClean="0"/>
               <a:t>Click to edit Master title style</a:t>
             </a:r>
+            <a:endParaRPr lang="en-US"/>
           </a:p>
         </p:txBody>
       </p:sp>
@@ -2633,37 +2637,38 @@
           <a:p>
             <a:pPr lvl="0"/>
             <a:r>
-              <a:rPr lang="en-US"/>
+              <a:rPr lang="en-US" smtClean="0"/>
               <a:t>Click to edit Master text styles</a:t>
             </a:r>
           </a:p>
           <a:p>
             <a:pPr lvl="1"/>
             <a:r>
-              <a:rPr lang="en-US"/>
+              <a:rPr lang="en-US" smtClean="0"/>
               <a:t>Second level</a:t>
             </a:r>
           </a:p>
           <a:p>
             <a:pPr lvl="2"/>
             <a:r>
-              <a:rPr lang="en-US"/>
+              <a:rPr lang="en-US" smtClean="0"/>
               <a:t>Third level</a:t>
             </a:r>
           </a:p>
           <a:p>
             <a:pPr lvl="3"/>
             <a:r>
-              <a:rPr lang="en-US"/>
+              <a:rPr lang="en-US" smtClean="0"/>
               <a:t>Fourth level</a:t>
             </a:r>
           </a:p>
           <a:p>
             <a:pPr lvl="4"/>
             <a:r>
-              <a:rPr lang="en-US"/>
+              <a:rPr lang="en-US" smtClean="0"/>
               <a:t>Fifth level</a:t>
             </a:r>
+            <a:endParaRPr lang="en-US"/>
           </a:p>
         </p:txBody>
       </p:sp>
@@ -2703,7 +2708,7 @@
             <a:fld id="{1D8BD707-D9CF-40AE-B4C6-C98DA3205C09}" type="datetimeFigureOut">
               <a:rPr lang="en-US" smtClean="0"/>
               <a:pPr/>
-              <a:t>9/26/2025</a:t>
+              <a:t>8/1/2011</a:t>
             </a:fld>
             <a:endParaRPr lang="en-US"/>
           </a:p>
@@ -3058,7 +3063,7 @@
 </file>
 
 <file path=ppt/slides/slide1.xml><?xml version="1.0" encoding="utf-8"?>
-<p:sld xmlns:a="http://schemas.openxmlformats.org/drawingml/2006/main" xmlns:r="http://schemas.openxmlformats.org/officeDocument/2006/relationships" xmlns:p="http://schemas.openxmlformats.org/presentationml/2006/main">
+<p:sld xmlns:p="http://schemas.openxmlformats.org/presentationml/2006/main" xmlns:a="http://schemas.openxmlformats.org/drawingml/2006/main" xmlns:r="http://schemas.openxmlformats.org/officeDocument/2006/relationships">
   <p:cSld>
     <p:spTree>
       <p:nvGrpSpPr>
@@ -3074,14 +3079,69 @@
           <a:chExt cx="0" cy="0"/>
         </a:xfrm>
       </p:grpSpPr>
-      <p:sp>
-        <p:nvSpPr>
-          <p:cNvPr id="4" name="Freeform 4"/>
+      <p:grpSp>
+        <p:nvGrpSpPr>
+          <p:cNvPr name="Group 2" id="2"/>
+          <p:cNvGrpSpPr/>
+          <p:nvPr/>
+        </p:nvGrpSpPr>
+        <p:grpSpPr>
+          <a:xfrm rot="0">
+            <a:off x="-2524084" y="891473"/>
+            <a:ext cx="2657173" cy="2700544"/>
+            <a:chOff x="0" y="0"/>
+            <a:chExt cx="3542897" cy="3600725"/>
+          </a:xfrm>
+        </p:grpSpPr>
+        <p:sp>
+          <p:nvSpPr>
+            <p:cNvPr name="Freeform 3" id="3"/>
+            <p:cNvSpPr/>
+            <p:nvPr/>
+          </p:nvSpPr>
+          <p:spPr>
+            <a:xfrm flipH="false" flipV="false" rot="0">
+              <a:off x="5461" y="5715"/>
+              <a:ext cx="3531997" cy="3589274"/>
+            </a:xfrm>
+            <a:custGeom>
+              <a:avLst/>
+              <a:gdLst/>
+              <a:ahLst/>
+              <a:cxnLst/>
+              <a:rect r="r" b="b" t="t" l="l"/>
+              <a:pathLst>
+                <a:path h="3589274" w="3531997">
+                  <a:moveTo>
+                    <a:pt x="27178" y="0"/>
+                  </a:moveTo>
+                  <a:lnTo>
+                    <a:pt x="3531997" y="3562604"/>
+                  </a:lnTo>
+                  <a:lnTo>
+                    <a:pt x="3504819" y="3589274"/>
+                  </a:lnTo>
+                  <a:lnTo>
+                    <a:pt x="0" y="26670"/>
+                  </a:lnTo>
+                  <a:close/>
+                </a:path>
+              </a:pathLst>
+            </a:custGeom>
+            <a:solidFill>
+              <a:srgbClr val="8CA9AD"/>
+            </a:solidFill>
+          </p:spPr>
+        </p:sp>
+      </p:grpSp>
+      <p:sp>
+        <p:nvSpPr>
+          <p:cNvPr name="Freeform 4" id="4"/>
           <p:cNvSpPr/>
           <p:nvPr/>
         </p:nvSpPr>
         <p:spPr>
-          <a:xfrm>
+          <a:xfrm flipH="false" flipV="false" rot="0">
             <a:off x="14744128" y="6172200"/>
             <a:ext cx="3543872" cy="4114800"/>
           </a:xfrm>
@@ -3090,9 +3150,9 @@
             <a:gdLst/>
             <a:ahLst/>
             <a:cxnLst/>
-            <a:rect l="l" t="t" r="r" b="b"/>
+            <a:rect r="r" b="b" t="t" l="l"/>
             <a:pathLst>
-              <a:path w="3543872" h="4114800">
+              <a:path h="4114800" w="3543872">
                 <a:moveTo>
                   <a:pt x="0" y="0"/>
                 </a:moveTo>
@@ -3121,19 +3181,19 @@
               </a:extLst>
             </a:blip>
             <a:stretch>
-              <a:fillRect t="-104" b="-104"/>
+              <a:fillRect l="0" t="-104" r="0" b="-104"/>
             </a:stretch>
           </a:blipFill>
         </p:spPr>
       </p:sp>
       <p:sp>
         <p:nvSpPr>
-          <p:cNvPr id="5" name="Freeform 5"/>
+          <p:cNvPr name="Freeform 5" id="5"/>
           <p:cNvSpPr/>
           <p:nvPr/>
         </p:nvSpPr>
         <p:spPr>
-          <a:xfrm>
+          <a:xfrm flipH="false" flipV="false" rot="0">
             <a:off x="-9525" y="-85725"/>
             <a:ext cx="4106228" cy="4114800"/>
           </a:xfrm>
@@ -3142,9 +3202,9 @@
             <a:gdLst/>
             <a:ahLst/>
             <a:cxnLst/>
-            <a:rect l="l" t="t" r="r" b="b"/>
+            <a:rect r="r" b="b" t="t" l="l"/>
             <a:pathLst>
-              <a:path w="4106228" h="4114800">
+              <a:path h="4114800" w="4106228">
                 <a:moveTo>
                   <a:pt x="0" y="0"/>
                 </a:moveTo>
@@ -3173,19 +3233,19 @@
               </a:extLst>
             </a:blip>
             <a:stretch>
-              <a:fillRect l="-104" r="-104"/>
+              <a:fillRect l="-104" t="0" r="-104" b="0"/>
             </a:stretch>
           </a:blipFill>
         </p:spPr>
       </p:sp>
       <p:sp>
         <p:nvSpPr>
-          <p:cNvPr id="6" name="Freeform 6"/>
+          <p:cNvPr name="Freeform 6" id="6"/>
           <p:cNvSpPr/>
           <p:nvPr/>
         </p:nvSpPr>
         <p:spPr>
-          <a:xfrm>
+          <a:xfrm flipH="false" flipV="false" rot="0">
             <a:off x="152400" y="9475836"/>
             <a:ext cx="9011810" cy="544464"/>
           </a:xfrm>
@@ -3194,9 +3254,9 @@
             <a:gdLst/>
             <a:ahLst/>
             <a:cxnLst/>
-            <a:rect l="l" t="t" r="r" b="b"/>
+            <a:rect r="r" b="b" t="t" l="l"/>
             <a:pathLst>
-              <a:path w="9011810" h="544464">
+              <a:path h="544464" w="9011810">
                 <a:moveTo>
                   <a:pt x="0" y="0"/>
                 </a:moveTo>
@@ -3225,19 +3285,19 @@
               </a:extLst>
             </a:blip>
             <a:stretch>
-              <a:fillRect t="-686" b="-686"/>
+              <a:fillRect l="0" t="-686" r="0" b="-686"/>
             </a:stretch>
           </a:blipFill>
         </p:spPr>
       </p:sp>
       <p:grpSp>
         <p:nvGrpSpPr>
-          <p:cNvPr id="7" name="Group 7"/>
+          <p:cNvPr name="Group 7" id="7"/>
           <p:cNvGrpSpPr/>
           <p:nvPr/>
         </p:nvGrpSpPr>
         <p:grpSpPr>
-          <a:xfrm>
+          <a:xfrm rot="0">
             <a:off x="16387576" y="61816"/>
             <a:ext cx="1786124" cy="1687887"/>
             <a:chOff x="0" y="0"/>
@@ -3246,12 +3306,12 @@
         </p:grpSpPr>
         <p:sp>
           <p:nvSpPr>
-            <p:cNvPr id="8" name="Freeform 8"/>
+            <p:cNvPr name="Freeform 8" id="8"/>
             <p:cNvSpPr/>
             <p:nvPr/>
           </p:nvSpPr>
           <p:spPr>
-            <a:xfrm>
+            <a:xfrm flipH="false" flipV="false" rot="0">
               <a:off x="0" y="0"/>
               <a:ext cx="2381504" cy="2250567"/>
             </a:xfrm>
@@ -3260,9 +3320,9 @@
               <a:gdLst/>
               <a:ahLst/>
               <a:cxnLst/>
-              <a:rect l="l" t="t" r="r" b="b"/>
+              <a:rect r="r" b="b" t="t" l="l"/>
               <a:pathLst>
-                <a:path w="2381504" h="2250567">
+                <a:path h="2250567" w="2381504">
                   <a:moveTo>
                     <a:pt x="0" y="0"/>
                   </a:moveTo>
@@ -3285,7 +3345,7 @@
             <a:blipFill>
               <a:blip r:embed="rId8"/>
               <a:stretch>
-                <a:fillRect t="-99" b="-96"/>
+                <a:fillRect l="0" t="-99" r="0" b="-96"/>
               </a:stretch>
             </a:blipFill>
           </p:spPr>
@@ -3293,12 +3353,12 @@
       </p:grpSp>
       <p:sp>
         <p:nvSpPr>
-          <p:cNvPr id="9" name="TextBox 9"/>
-          <p:cNvSpPr txBox="1"/>
+          <p:cNvPr name="TextBox 9" id="9"/>
+          <p:cNvSpPr txBox="true"/>
           <p:nvPr/>
         </p:nvSpPr>
         <p:spPr>
-          <a:xfrm>
+          <a:xfrm rot="0">
             <a:off x="1028700" y="2152650"/>
             <a:ext cx="16230600" cy="5600700"/>
           </a:xfrm>
@@ -3307,12 +3367,12 @@
           </a:prstGeom>
         </p:spPr>
         <p:txBody>
-          <a:bodyPr lIns="0" tIns="0" rIns="0" bIns="0" rtlCol="0" anchor="t">
+          <a:bodyPr anchor="t" rtlCol="false" tIns="0" lIns="0" bIns="0" rIns="0">
             <a:spAutoFit/>
           </a:bodyPr>
           <a:lstStyle/>
           <a:p>
-            <a:pPr marL="647700" lvl="1" indent="-323850" algn="l">
+            <a:pPr algn="l" marL="647700" indent="-323850" lvl="1">
               <a:lnSpc>
                 <a:spcPts val="7500"/>
               </a:lnSpc>
@@ -3320,7 +3380,7 @@
               <a:buChar char="•"/>
             </a:pPr>
             <a:r>
-              <a:rPr lang="en-US" sz="3000" b="1">
+              <a:rPr lang="en-US" b="true" sz="3000">
                 <a:solidFill>
                   <a:srgbClr val="01386A"/>
                 </a:solidFill>
@@ -3345,7 +3405,7 @@
             </a:r>
           </a:p>
           <a:p>
-            <a:pPr marL="647700" lvl="1" indent="-323850" algn="l">
+            <a:pPr algn="l" marL="647700" indent="-323850" lvl="1">
               <a:lnSpc>
                 <a:spcPts val="7500"/>
               </a:lnSpc>
@@ -3353,7 +3413,7 @@
               <a:buChar char="•"/>
             </a:pPr>
             <a:r>
-              <a:rPr lang="en-US" sz="3000" b="1">
+              <a:rPr lang="en-US" b="true" sz="3000">
                 <a:solidFill>
                   <a:srgbClr val="01386A"/>
                 </a:solidFill>
@@ -3377,7 +3437,7 @@
               <a:t> Jaydatt Mahendra Khodave (1st Year, CSE, </a:t>
             </a:r>
             <a:r>
-              <a:rPr lang="en-US" sz="3000" b="1">
+              <a:rPr lang="en-US" b="true" sz="3000">
                 <a:solidFill>
                   <a:srgbClr val="01386A"/>
                 </a:solidFill>
@@ -3426,7 +3486,7 @@
               <a:t>,</a:t>
             </a:r>
             <a:r>
-              <a:rPr lang="en-US" sz="3000" b="1">
+              <a:rPr lang="en-US" b="true" sz="3000">
                 <a:solidFill>
                   <a:srgbClr val="01386A"/>
                 </a:solidFill>
@@ -3450,7 +3510,7 @@
               <a:t>+91-7517651748) | Sanket Kadam (2nd Year, IT, </a:t>
             </a:r>
             <a:r>
-              <a:rPr lang="en-US" sz="3000" b="1">
+              <a:rPr lang="en-US" b="true" sz="3000">
                 <a:solidFill>
                   <a:srgbClr val="01386A"/>
                 </a:solidFill>
@@ -3499,7 +3559,7 @@
               <a:t>, </a:t>
             </a:r>
             <a:r>
-              <a:rPr lang="en-US" sz="3000" b="1">
+              <a:rPr lang="en-US" b="true" sz="3000">
                 <a:solidFill>
                   <a:srgbClr val="01386A"/>
                 </a:solidFill>
@@ -3524,7 +3584,7 @@
             </a:r>
           </a:p>
           <a:p>
-            <a:pPr marL="647700" lvl="1" indent="-323850" algn="l">
+            <a:pPr algn="l" marL="647700" indent="-323850" lvl="1">
               <a:lnSpc>
                 <a:spcPts val="7500"/>
               </a:lnSpc>
@@ -3532,7 +3592,7 @@
               <a:buChar char="•"/>
             </a:pPr>
             <a:r>
-              <a:rPr lang="en-US" sz="3000" b="1">
+              <a:rPr lang="en-US" b="true" sz="3000">
                 <a:solidFill>
                   <a:srgbClr val="01386A"/>
                 </a:solidFill>
@@ -3557,7 +3617,7 @@
             </a:r>
           </a:p>
           <a:p>
-            <a:pPr marL="647700" lvl="1" indent="-323850" algn="l">
+            <a:pPr algn="l" marL="647700" indent="-323850" lvl="1">
               <a:lnSpc>
                 <a:spcPts val="7500"/>
               </a:lnSpc>
@@ -3565,7 +3625,7 @@
               <a:buChar char="•"/>
             </a:pPr>
             <a:r>
-              <a:rPr lang="en-US" sz="3000" b="1">
+              <a:rPr lang="en-US" b="true" sz="3000">
                 <a:solidFill>
                   <a:srgbClr val="01386A"/>
                 </a:solidFill>
@@ -3587,47 +3647,6 @@
                 <a:sym typeface="DM Sans"/>
               </a:rPr>
               <a:t> One ID for Every Skill – Trusted, Verified, Recognised</a:t>
-            </a:r>
-          </a:p>
-        </p:txBody>
-      </p:sp>
-      <p:sp>
-        <p:nvSpPr>
-          <p:cNvPr id="10" name="TextBox 10"/>
-          <p:cNvSpPr txBox="1"/>
-          <p:nvPr/>
-        </p:nvSpPr>
-        <p:spPr>
-          <a:xfrm>
-            <a:off x="-9525" y="702628"/>
-            <a:ext cx="18297525" cy="766445"/>
-          </a:xfrm>
-          <a:prstGeom prst="rect">
-            <a:avLst/>
-          </a:prstGeom>
-        </p:spPr>
-        <p:txBody>
-          <a:bodyPr lIns="0" tIns="0" rIns="0" bIns="0" rtlCol="0" anchor="t">
-            <a:spAutoFit/>
-          </a:bodyPr>
-          <a:lstStyle/>
-          <a:p>
-            <a:pPr algn="ctr">
-              <a:lnSpc>
-                <a:spcPts val="5799"/>
-              </a:lnSpc>
-            </a:pPr>
-            <a:r>
-              <a:rPr lang="en-US" sz="5799" b="1" dirty="0">
-                <a:solidFill>
-                  <a:srgbClr val="01386A"/>
-                </a:solidFill>
-                <a:latin typeface="DM Sans Bold"/>
-                <a:ea typeface="DM Sans Bold"/>
-                <a:cs typeface="DM Sans Bold"/>
-                <a:sym typeface="DM Sans Bold"/>
-              </a:rPr>
-              <a:t>TITLE SLIDE</a:t>
             </a:r>
           </a:p>
         </p:txBody>
@@ -3641,7 +3660,7 @@
 </file>
 
 <file path=ppt/slides/slide2.xml><?xml version="1.0" encoding="utf-8"?>
-<p:sld xmlns:a="http://schemas.openxmlformats.org/drawingml/2006/main" xmlns:r="http://schemas.openxmlformats.org/officeDocument/2006/relationships" xmlns:p="http://schemas.openxmlformats.org/presentationml/2006/main">
+<p:sld xmlns:p="http://schemas.openxmlformats.org/presentationml/2006/main" xmlns:a="http://schemas.openxmlformats.org/drawingml/2006/main" xmlns:r="http://schemas.openxmlformats.org/officeDocument/2006/relationships">
   <p:cSld>
     <p:spTree>
       <p:nvGrpSpPr>
@@ -3659,12 +3678,12 @@
       </p:grpSpPr>
       <p:sp>
         <p:nvSpPr>
-          <p:cNvPr id="2" name="TextBox 2"/>
-          <p:cNvSpPr txBox="1"/>
+          <p:cNvPr name="TextBox 2" id="2"/>
+          <p:cNvSpPr txBox="true"/>
           <p:nvPr/>
         </p:nvSpPr>
         <p:spPr>
-          <a:xfrm>
+          <a:xfrm rot="0">
             <a:off x="1495032" y="285750"/>
             <a:ext cx="14892544" cy="766445"/>
           </a:xfrm>
@@ -3673,7 +3692,7 @@
           </a:prstGeom>
         </p:spPr>
         <p:txBody>
-          <a:bodyPr lIns="0" tIns="0" rIns="0" bIns="0" rtlCol="0" anchor="t">
+          <a:bodyPr anchor="t" rtlCol="false" tIns="0" lIns="0" bIns="0" rIns="0">
             <a:spAutoFit/>
           </a:bodyPr>
           <a:lstStyle/>
@@ -3684,7 +3703,7 @@
               </a:lnSpc>
             </a:pPr>
             <a:r>
-              <a:rPr lang="en-US" sz="5799" b="1">
+              <a:rPr lang="en-US" sz="5799" b="true">
                 <a:solidFill>
                   <a:srgbClr val="01386A"/>
                 </a:solidFill>
@@ -3700,12 +3719,12 @@
       </p:sp>
       <p:sp>
         <p:nvSpPr>
-          <p:cNvPr id="3" name="TextBox 3"/>
-          <p:cNvSpPr txBox="1"/>
+          <p:cNvPr name="TextBox 3" id="3"/>
+          <p:cNvSpPr txBox="true"/>
           <p:nvPr/>
         </p:nvSpPr>
         <p:spPr>
-          <a:xfrm>
+          <a:xfrm rot="0">
             <a:off x="1485244" y="2628900"/>
             <a:ext cx="15317511" cy="4648200"/>
           </a:xfrm>
@@ -3714,7 +3733,7 @@
           </a:prstGeom>
         </p:spPr>
         <p:txBody>
-          <a:bodyPr lIns="0" tIns="0" rIns="0" bIns="0" rtlCol="0" anchor="t">
+          <a:bodyPr anchor="t" rtlCol="false" tIns="0" lIns="0" bIns="0" rIns="0">
             <a:spAutoFit/>
           </a:bodyPr>
           <a:lstStyle/>
@@ -3737,7 +3756,7 @@
               <a:t>India has a </a:t>
             </a:r>
             <a:r>
-              <a:rPr lang="en-US" sz="3000" b="1">
+              <a:rPr lang="en-US" b="true" sz="3000">
                 <a:solidFill>
                   <a:srgbClr val="01386A"/>
                 </a:solidFill>
@@ -3761,7 +3780,7 @@
               <a:t>, but many </a:t>
             </a:r>
             <a:r>
-              <a:rPr lang="en-US" sz="3000" b="1">
+              <a:rPr lang="en-US" b="true" sz="3000">
                 <a:solidFill>
                   <a:srgbClr val="01386A"/>
                 </a:solidFill>
@@ -3785,7 +3804,7 @@
               <a:t> due to </a:t>
             </a:r>
             <a:r>
-              <a:rPr lang="en-US" sz="3000" b="1">
+              <a:rPr lang="en-US" b="true" sz="3000">
                 <a:solidFill>
                   <a:srgbClr val="01386A"/>
                 </a:solidFill>
@@ -3806,10 +3825,58 @@
                 <a:cs typeface="DM Sans"/>
                 <a:sym typeface="DM Sans"/>
               </a:rPr>
-              <a:t> and waste a lot of time manually verifying skills. There is no </a:t>
-            </a:r>
-            <a:r>
-              <a:rPr lang="en-US" sz="3000" b="1">
+              <a:t> and waste a lot of </a:t>
+            </a:r>
+            <a:r>
+              <a:rPr lang="en-US" sz="3000">
+                <a:solidFill>
+                  <a:srgbClr val="01386A"/>
+                </a:solidFill>
+                <a:latin typeface="DM Sans"/>
+                <a:ea typeface="DM Sans"/>
+                <a:cs typeface="DM Sans"/>
+                <a:sym typeface="DM Sans"/>
+              </a:rPr>
+              <a:t>t</a:t>
+            </a:r>
+            <a:r>
+              <a:rPr lang="en-US" sz="3000">
+                <a:solidFill>
+                  <a:srgbClr val="01386A"/>
+                </a:solidFill>
+                <a:latin typeface="DM Sans"/>
+                <a:ea typeface="DM Sans"/>
+                <a:cs typeface="DM Sans"/>
+                <a:sym typeface="DM Sans"/>
+              </a:rPr>
+              <a:t>im</a:t>
+            </a:r>
+            <a:r>
+              <a:rPr lang="en-US" sz="3000">
+                <a:solidFill>
+                  <a:srgbClr val="01386A"/>
+                </a:solidFill>
+                <a:latin typeface="DM Sans"/>
+                <a:ea typeface="DM Sans"/>
+                <a:cs typeface="DM Sans"/>
+                <a:sym typeface="DM Sans"/>
+              </a:rPr>
+              <a:t>e</a:t>
+            </a:r>
+            <a:r>
+              <a:rPr lang="en-US" sz="3000">
+                <a:solidFill>
+                  <a:srgbClr val="01386A"/>
+                </a:solidFill>
+                <a:latin typeface="DM Sans"/>
+                <a:ea typeface="DM Sans"/>
+                <a:cs typeface="DM Sans"/>
+                <a:sym typeface="DM Sans"/>
+              </a:rPr>
+              <a:t> manually verifying skills. There is no </a:t>
+            </a:r>
+            <a:r>
+              <a:rPr lang="en-US" b="true" sz="3000">
                 <a:solidFill>
                   <a:srgbClr val="01386A"/>
                 </a:solidFill>
@@ -3833,7 +3900,7 @@
               <a:t> to </a:t>
             </a:r>
             <a:r>
-              <a:rPr lang="en-US" sz="3000" b="1">
+              <a:rPr lang="en-US" b="true" sz="3000">
                 <a:solidFill>
                   <a:srgbClr val="01386A"/>
                 </a:solidFill>
@@ -3857,7 +3924,7 @@
               <a:t>. While </a:t>
             </a:r>
             <a:r>
-              <a:rPr lang="en-US" sz="3000" b="1">
+              <a:rPr lang="en-US" b="true" sz="3000">
                 <a:solidFill>
                   <a:srgbClr val="01386A"/>
                 </a:solidFill>
@@ -3881,7 +3948,7 @@
               <a:t>proves </a:t>
             </a:r>
             <a:r>
-              <a:rPr lang="en-US" sz="3000" b="1">
+              <a:rPr lang="en-US" b="true" sz="3000">
                 <a:solidFill>
                   <a:srgbClr val="01386A"/>
                 </a:solidFill>
@@ -3905,7 +3972,7 @@
               <a:t>and </a:t>
             </a:r>
             <a:r>
-              <a:rPr lang="en-US" sz="3000" b="1">
+              <a:rPr lang="en-US" b="true" sz="3000">
                 <a:solidFill>
                   <a:srgbClr val="01386A"/>
                 </a:solidFill>
@@ -3929,7 +3996,7 @@
               <a:t>tracks </a:t>
             </a:r>
             <a:r>
-              <a:rPr lang="en-US" sz="3000" b="1">
+              <a:rPr lang="en-US" b="true" sz="3000">
                 <a:solidFill>
                   <a:srgbClr val="01386A"/>
                 </a:solidFill>
@@ -3953,7 +4020,7 @@
               <a:t>, there is no </a:t>
             </a:r>
             <a:r>
-              <a:rPr lang="en-US" sz="3000" b="1">
+              <a:rPr lang="en-US" b="true" sz="3000">
                 <a:solidFill>
                   <a:srgbClr val="01386A"/>
                 </a:solidFill>
@@ -3981,12 +4048,12 @@
       </p:sp>
       <p:grpSp>
         <p:nvGrpSpPr>
-          <p:cNvPr id="4" name="Group 4"/>
+          <p:cNvPr name="Group 4" id="4"/>
           <p:cNvGrpSpPr/>
           <p:nvPr/>
         </p:nvGrpSpPr>
         <p:grpSpPr>
-          <a:xfrm>
+          <a:xfrm rot="0">
             <a:off x="16387576" y="71341"/>
             <a:ext cx="1786124" cy="1687887"/>
             <a:chOff x="0" y="0"/>
@@ -3995,12 +4062,12 @@
         </p:grpSpPr>
         <p:sp>
           <p:nvSpPr>
-            <p:cNvPr id="5" name="Freeform 5"/>
+            <p:cNvPr name="Freeform 5" id="5"/>
             <p:cNvSpPr/>
             <p:nvPr/>
           </p:nvSpPr>
           <p:spPr>
-            <a:xfrm>
+            <a:xfrm flipH="false" flipV="false" rot="0">
               <a:off x="0" y="0"/>
               <a:ext cx="2381504" cy="2250567"/>
             </a:xfrm>
@@ -4009,9 +4076,9 @@
               <a:gdLst/>
               <a:ahLst/>
               <a:cxnLst/>
-              <a:rect l="l" t="t" r="r" b="b"/>
+              <a:rect r="r" b="b" t="t" l="l"/>
               <a:pathLst>
-                <a:path w="2381504" h="2250567">
+                <a:path h="2250567" w="2381504">
                   <a:moveTo>
                     <a:pt x="0" y="0"/>
                   </a:moveTo>
@@ -4034,7 +4101,7 @@
             <a:blipFill>
               <a:blip r:embed="rId2"/>
               <a:stretch>
-                <a:fillRect t="-99" b="-96"/>
+                <a:fillRect l="0" t="-99" r="0" b="-96"/>
               </a:stretch>
             </a:blipFill>
           </p:spPr>
@@ -4042,12 +4109,12 @@
       </p:grpSp>
       <p:sp>
         <p:nvSpPr>
-          <p:cNvPr id="6" name="Freeform 6"/>
+          <p:cNvPr name="Freeform 6" id="6"/>
           <p:cNvSpPr/>
           <p:nvPr/>
         </p:nvSpPr>
         <p:spPr>
-          <a:xfrm>
+          <a:xfrm flipH="false" flipV="false" rot="0">
             <a:off x="0" y="-20754"/>
             <a:ext cx="4647320" cy="5024130"/>
           </a:xfrm>
@@ -4056,9 +4123,9 @@
             <a:gdLst/>
             <a:ahLst/>
             <a:cxnLst/>
-            <a:rect l="l" t="t" r="r" b="b"/>
+            <a:rect r="r" b="b" t="t" l="l"/>
             <a:pathLst>
-              <a:path w="4647320" h="5024130">
+              <a:path h="5024130" w="4647320">
                 <a:moveTo>
                   <a:pt x="0" y="0"/>
                 </a:moveTo>
@@ -4087,19 +4154,19 @@
               </a:extLst>
             </a:blip>
             <a:stretch>
-              <a:fillRect t="-40" b="-40"/>
+              <a:fillRect l="0" t="-40" r="0" b="-40"/>
             </a:stretch>
           </a:blipFill>
         </p:spPr>
       </p:sp>
       <p:sp>
         <p:nvSpPr>
-          <p:cNvPr id="7" name="Freeform 7"/>
+          <p:cNvPr name="Freeform 7" id="7"/>
           <p:cNvSpPr/>
           <p:nvPr/>
         </p:nvSpPr>
         <p:spPr>
-          <a:xfrm>
+          <a:xfrm flipH="false" flipV="false" rot="0">
             <a:off x="15337087" y="7748684"/>
             <a:ext cx="2950913" cy="2520998"/>
           </a:xfrm>
@@ -4108,9 +4175,9 @@
             <a:gdLst/>
             <a:ahLst/>
             <a:cxnLst/>
-            <a:rect l="l" t="t" r="r" b="b"/>
+            <a:rect r="r" b="b" t="t" l="l"/>
             <a:pathLst>
-              <a:path w="2950913" h="2520998">
+              <a:path h="2520998" w="2950913">
                 <a:moveTo>
                   <a:pt x="0" y="0"/>
                 </a:moveTo>
@@ -4139,7 +4206,7 @@
               </a:extLst>
             </a:blip>
             <a:stretch>
-              <a:fillRect t="-8337" b="-8337"/>
+              <a:fillRect l="0" t="-8337" r="0" b="-8337"/>
             </a:stretch>
           </a:blipFill>
         </p:spPr>
@@ -4153,7 +4220,7 @@
 </file>
 
 <file path=ppt/slides/slide3.xml><?xml version="1.0" encoding="utf-8"?>
-<p:sld xmlns:a="http://schemas.openxmlformats.org/drawingml/2006/main" xmlns:r="http://schemas.openxmlformats.org/officeDocument/2006/relationships" xmlns:p="http://schemas.openxmlformats.org/presentationml/2006/main">
+<p:sld xmlns:p="http://schemas.openxmlformats.org/presentationml/2006/main" xmlns:a="http://schemas.openxmlformats.org/drawingml/2006/main" xmlns:r="http://schemas.openxmlformats.org/officeDocument/2006/relationships">
   <p:cSld>
     <p:spTree>
       <p:nvGrpSpPr>
@@ -4171,12 +4238,12 @@
       </p:grpSpPr>
       <p:sp>
         <p:nvSpPr>
-          <p:cNvPr id="2" name="TextBox 2"/>
-          <p:cNvSpPr txBox="1"/>
+          <p:cNvPr name="TextBox 2" id="2"/>
+          <p:cNvSpPr txBox="true"/>
           <p:nvPr/>
         </p:nvSpPr>
         <p:spPr>
-          <a:xfrm>
+          <a:xfrm rot="0">
             <a:off x="1495032" y="285750"/>
             <a:ext cx="14892544" cy="766445"/>
           </a:xfrm>
@@ -4185,7 +4252,7 @@
           </a:prstGeom>
         </p:spPr>
         <p:txBody>
-          <a:bodyPr lIns="0" tIns="0" rIns="0" bIns="0" rtlCol="0" anchor="t">
+          <a:bodyPr anchor="t" rtlCol="false" tIns="0" lIns="0" bIns="0" rIns="0">
             <a:spAutoFit/>
           </a:bodyPr>
           <a:lstStyle/>
@@ -4196,7 +4263,7 @@
               </a:lnSpc>
             </a:pPr>
             <a:r>
-              <a:rPr lang="en-US" sz="5799" b="1">
+              <a:rPr lang="en-US" sz="5799" b="true">
                 <a:solidFill>
                   <a:srgbClr val="01386A"/>
                 </a:solidFill>
@@ -4212,12 +4279,12 @@
       </p:sp>
       <p:sp>
         <p:nvSpPr>
-          <p:cNvPr id="3" name="TextBox 3"/>
-          <p:cNvSpPr txBox="1"/>
+          <p:cNvPr name="TextBox 3" id="3"/>
+          <p:cNvSpPr txBox="true"/>
           <p:nvPr/>
         </p:nvSpPr>
         <p:spPr>
-          <a:xfrm>
+          <a:xfrm rot="0">
             <a:off x="1485244" y="2152650"/>
             <a:ext cx="15317511" cy="6553200"/>
           </a:xfrm>
@@ -4226,12 +4293,12 @@
           </a:prstGeom>
         </p:spPr>
         <p:txBody>
-          <a:bodyPr lIns="0" tIns="0" rIns="0" bIns="0" rtlCol="0" anchor="t">
+          <a:bodyPr anchor="t" rtlCol="false" tIns="0" lIns="0" bIns="0" rIns="0">
             <a:spAutoFit/>
           </a:bodyPr>
           <a:lstStyle/>
           <a:p>
-            <a:pPr marL="647700" lvl="1" indent="-323850" algn="l">
+            <a:pPr algn="l" marL="647700" indent="-323850" lvl="1">
               <a:lnSpc>
                 <a:spcPts val="7500"/>
               </a:lnSpc>
@@ -4239,7 +4306,7 @@
               <a:buChar char="•"/>
             </a:pPr>
             <a:r>
-              <a:rPr lang="en-US" sz="3000" b="1">
+              <a:rPr lang="en-US" b="true" sz="3000">
                 <a:solidFill>
                   <a:srgbClr val="01386A"/>
                 </a:solidFill>
@@ -4248,22 +4315,10 @@
                 <a:cs typeface="DM Sans Bold"/>
                 <a:sym typeface="DM Sans Bold"/>
               </a:rPr>
-              <a:t>48% recruiters</a:t>
-            </a:r>
-            <a:r>
-              <a:rPr lang="en-US" sz="3000">
-                <a:solidFill>
-                  <a:srgbClr val="01386A"/>
-                </a:solidFill>
-                <a:latin typeface="DM Sans"/>
-                <a:ea typeface="DM Sans"/>
-                <a:cs typeface="DM Sans"/>
-                <a:sym typeface="DM Sans"/>
-              </a:rPr>
-              <a:t> in India encounter </a:t>
-            </a:r>
-            <a:r>
-              <a:rPr lang="en-US" sz="3000" b="1">
+              <a:t>48%</a:t>
+            </a:r>
+            <a:r>
+              <a:rPr lang="en-US" b="true" sz="3000">
                 <a:solidFill>
                   <a:srgbClr val="01386A"/>
                 </a:solidFill>
@@ -4272,6 +4327,174 @@
                 <a:cs typeface="DM Sans Bold"/>
                 <a:sym typeface="DM Sans Bold"/>
               </a:rPr>
+              <a:t> recruiters</a:t>
+            </a:r>
+            <a:r>
+              <a:rPr lang="en-US" sz="3000">
+                <a:solidFill>
+                  <a:srgbClr val="01386A"/>
+                </a:solidFill>
+                <a:latin typeface="DM Sans"/>
+                <a:ea typeface="DM Sans"/>
+                <a:cs typeface="DM Sans"/>
+                <a:sym typeface="DM Sans"/>
+              </a:rPr>
+              <a:t> </a:t>
+            </a:r>
+            <a:r>
+              <a:rPr lang="en-US" sz="3000">
+                <a:solidFill>
+                  <a:srgbClr val="01386A"/>
+                </a:solidFill>
+                <a:latin typeface="DM Sans"/>
+                <a:ea typeface="DM Sans"/>
+                <a:cs typeface="DM Sans"/>
+                <a:sym typeface="DM Sans"/>
+              </a:rPr>
+              <a:t>i</a:t>
+            </a:r>
+            <a:r>
+              <a:rPr lang="en-US" sz="3000">
+                <a:solidFill>
+                  <a:srgbClr val="01386A"/>
+                </a:solidFill>
+                <a:latin typeface="DM Sans"/>
+                <a:ea typeface="DM Sans"/>
+                <a:cs typeface="DM Sans"/>
+                <a:sym typeface="DM Sans"/>
+              </a:rPr>
+              <a:t>n </a:t>
+            </a:r>
+            <a:r>
+              <a:rPr lang="en-US" sz="3000">
+                <a:solidFill>
+                  <a:srgbClr val="01386A"/>
+                </a:solidFill>
+                <a:latin typeface="DM Sans"/>
+                <a:ea typeface="DM Sans"/>
+                <a:cs typeface="DM Sans"/>
+                <a:sym typeface="DM Sans"/>
+              </a:rPr>
+              <a:t>I</a:t>
+            </a:r>
+            <a:r>
+              <a:rPr lang="en-US" sz="3000">
+                <a:solidFill>
+                  <a:srgbClr val="01386A"/>
+                </a:solidFill>
+                <a:latin typeface="DM Sans"/>
+                <a:ea typeface="DM Sans"/>
+                <a:cs typeface="DM Sans"/>
+                <a:sym typeface="DM Sans"/>
+              </a:rPr>
+              <a:t>ndia</a:t>
+            </a:r>
+            <a:r>
+              <a:rPr lang="en-US" sz="3000">
+                <a:solidFill>
+                  <a:srgbClr val="01386A"/>
+                </a:solidFill>
+                <a:latin typeface="DM Sans"/>
+                <a:ea typeface="DM Sans"/>
+                <a:cs typeface="DM Sans"/>
+                <a:sym typeface="DM Sans"/>
+              </a:rPr>
+              <a:t> </a:t>
+            </a:r>
+            <a:r>
+              <a:rPr lang="en-US" sz="3000">
+                <a:solidFill>
+                  <a:srgbClr val="01386A"/>
+                </a:solidFill>
+                <a:latin typeface="DM Sans"/>
+                <a:ea typeface="DM Sans"/>
+                <a:cs typeface="DM Sans"/>
+                <a:sym typeface="DM Sans"/>
+              </a:rPr>
+              <a:t>en</a:t>
+            </a:r>
+            <a:r>
+              <a:rPr lang="en-US" sz="3000">
+                <a:solidFill>
+                  <a:srgbClr val="01386A"/>
+                </a:solidFill>
+                <a:latin typeface="DM Sans"/>
+                <a:ea typeface="DM Sans"/>
+                <a:cs typeface="DM Sans"/>
+                <a:sym typeface="DM Sans"/>
+              </a:rPr>
+              <a:t>co</a:t>
+            </a:r>
+            <a:r>
+              <a:rPr lang="en-US" sz="3000">
+                <a:solidFill>
+                  <a:srgbClr val="01386A"/>
+                </a:solidFill>
+                <a:latin typeface="DM Sans"/>
+                <a:ea typeface="DM Sans"/>
+                <a:cs typeface="DM Sans"/>
+                <a:sym typeface="DM Sans"/>
+              </a:rPr>
+              <a:t>un</a:t>
+            </a:r>
+            <a:r>
+              <a:rPr lang="en-US" sz="3000">
+                <a:solidFill>
+                  <a:srgbClr val="01386A"/>
+                </a:solidFill>
+                <a:latin typeface="DM Sans"/>
+                <a:ea typeface="DM Sans"/>
+                <a:cs typeface="DM Sans"/>
+                <a:sym typeface="DM Sans"/>
+              </a:rPr>
+              <a:t>t</a:t>
+            </a:r>
+            <a:r>
+              <a:rPr lang="en-US" sz="3000">
+                <a:solidFill>
+                  <a:srgbClr val="01386A"/>
+                </a:solidFill>
+                <a:latin typeface="DM Sans"/>
+                <a:ea typeface="DM Sans"/>
+                <a:cs typeface="DM Sans"/>
+                <a:sym typeface="DM Sans"/>
+              </a:rPr>
+              <a:t>e</a:t>
+            </a:r>
+            <a:r>
+              <a:rPr lang="en-US" sz="3000">
+                <a:solidFill>
+                  <a:srgbClr val="01386A"/>
+                </a:solidFill>
+                <a:latin typeface="DM Sans"/>
+                <a:ea typeface="DM Sans"/>
+                <a:cs typeface="DM Sans"/>
+                <a:sym typeface="DM Sans"/>
+              </a:rPr>
+              <a:t>r</a:t>
+            </a:r>
+            <a:r>
+              <a:rPr lang="en-US" sz="3000">
+                <a:solidFill>
+                  <a:srgbClr val="01386A"/>
+                </a:solidFill>
+                <a:latin typeface="DM Sans"/>
+                <a:ea typeface="DM Sans"/>
+                <a:cs typeface="DM Sans"/>
+                <a:sym typeface="DM Sans"/>
+              </a:rPr>
+              <a:t> </a:t>
+            </a:r>
+            <a:r>
+              <a:rPr lang="en-US" b="true" sz="3000">
+                <a:solidFill>
+                  <a:srgbClr val="01386A"/>
+                </a:solidFill>
+                <a:latin typeface="DM Sans Bold"/>
+                <a:ea typeface="DM Sans Bold"/>
+                <a:cs typeface="DM Sans Bold"/>
+                <a:sym typeface="DM Sans Bold"/>
+              </a:rPr>
               <a:t>fake information</a:t>
             </a:r>
             <a:r>
@@ -4284,11 +4507,179 @@
                 <a:cs typeface="DM Sans"/>
                 <a:sym typeface="DM Sans"/>
               </a:rPr>
-              <a:t> in resumes. (Naukri Hiring Trends Report)</a:t>
-            </a:r>
-          </a:p>
-          <a:p>
-            <a:pPr marL="647700" lvl="1" indent="-323850" algn="l">
+              <a:t> in</a:t>
+            </a:r>
+            <a:r>
+              <a:rPr lang="en-US" sz="3000">
+                <a:solidFill>
+                  <a:srgbClr val="01386A"/>
+                </a:solidFill>
+                <a:latin typeface="DM Sans"/>
+                <a:ea typeface="DM Sans"/>
+                <a:cs typeface="DM Sans"/>
+                <a:sym typeface="DM Sans"/>
+              </a:rPr>
+              <a:t> resumes</a:t>
+            </a:r>
+            <a:r>
+              <a:rPr lang="en-US" sz="3000">
+                <a:solidFill>
+                  <a:srgbClr val="01386A"/>
+                </a:solidFill>
+                <a:latin typeface="DM Sans"/>
+                <a:ea typeface="DM Sans"/>
+                <a:cs typeface="DM Sans"/>
+                <a:sym typeface="DM Sans"/>
+              </a:rPr>
+              <a:t>.</a:t>
+            </a:r>
+            <a:r>
+              <a:rPr lang="en-US" sz="3000">
+                <a:solidFill>
+                  <a:srgbClr val="01386A"/>
+                </a:solidFill>
+                <a:latin typeface="DM Sans"/>
+                <a:ea typeface="DM Sans"/>
+                <a:cs typeface="DM Sans"/>
+                <a:sym typeface="DM Sans"/>
+              </a:rPr>
+              <a:t> </a:t>
+            </a:r>
+            <a:r>
+              <a:rPr lang="en-US" sz="3000">
+                <a:solidFill>
+                  <a:srgbClr val="01386A"/>
+                </a:solidFill>
+                <a:latin typeface="DM Sans"/>
+                <a:ea typeface="DM Sans"/>
+                <a:cs typeface="DM Sans"/>
+                <a:sym typeface="DM Sans"/>
+              </a:rPr>
+              <a:t>(N</a:t>
+            </a:r>
+            <a:r>
+              <a:rPr lang="en-US" sz="3000">
+                <a:solidFill>
+                  <a:srgbClr val="01386A"/>
+                </a:solidFill>
+                <a:latin typeface="DM Sans"/>
+                <a:ea typeface="DM Sans"/>
+                <a:cs typeface="DM Sans"/>
+                <a:sym typeface="DM Sans"/>
+              </a:rPr>
+              <a:t>a</a:t>
+            </a:r>
+            <a:r>
+              <a:rPr lang="en-US" sz="3000">
+                <a:solidFill>
+                  <a:srgbClr val="01386A"/>
+                </a:solidFill>
+                <a:latin typeface="DM Sans"/>
+                <a:ea typeface="DM Sans"/>
+                <a:cs typeface="DM Sans"/>
+                <a:sym typeface="DM Sans"/>
+              </a:rPr>
+              <a:t>ukri Hiring Tre</a:t>
+            </a:r>
+            <a:r>
+              <a:rPr lang="en-US" sz="3000">
+                <a:solidFill>
+                  <a:srgbClr val="01386A"/>
+                </a:solidFill>
+                <a:latin typeface="DM Sans"/>
+                <a:ea typeface="DM Sans"/>
+                <a:cs typeface="DM Sans"/>
+                <a:sym typeface="DM Sans"/>
+              </a:rPr>
+              <a:t>nd</a:t>
+            </a:r>
+            <a:r>
+              <a:rPr lang="en-US" sz="3000">
+                <a:solidFill>
+                  <a:srgbClr val="01386A"/>
+                </a:solidFill>
+                <a:latin typeface="DM Sans"/>
+                <a:ea typeface="DM Sans"/>
+                <a:cs typeface="DM Sans"/>
+                <a:sym typeface="DM Sans"/>
+              </a:rPr>
+              <a:t>s</a:t>
+            </a:r>
+            <a:r>
+              <a:rPr lang="en-US" sz="3000">
+                <a:solidFill>
+                  <a:srgbClr val="01386A"/>
+                </a:solidFill>
+                <a:latin typeface="DM Sans"/>
+                <a:ea typeface="DM Sans"/>
+                <a:cs typeface="DM Sans"/>
+                <a:sym typeface="DM Sans"/>
+              </a:rPr>
+              <a:t> </a:t>
+            </a:r>
+            <a:r>
+              <a:rPr lang="en-US" sz="3000">
+                <a:solidFill>
+                  <a:srgbClr val="01386A"/>
+                </a:solidFill>
+                <a:latin typeface="DM Sans"/>
+                <a:ea typeface="DM Sans"/>
+                <a:cs typeface="DM Sans"/>
+                <a:sym typeface="DM Sans"/>
+              </a:rPr>
+              <a:t>R</a:t>
+            </a:r>
+            <a:r>
+              <a:rPr lang="en-US" sz="3000">
+                <a:solidFill>
+                  <a:srgbClr val="01386A"/>
+                </a:solidFill>
+                <a:latin typeface="DM Sans"/>
+                <a:ea typeface="DM Sans"/>
+                <a:cs typeface="DM Sans"/>
+                <a:sym typeface="DM Sans"/>
+              </a:rPr>
+              <a:t>e</a:t>
+            </a:r>
+            <a:r>
+              <a:rPr lang="en-US" sz="3000">
+                <a:solidFill>
+                  <a:srgbClr val="01386A"/>
+                </a:solidFill>
+                <a:latin typeface="DM Sans"/>
+                <a:ea typeface="DM Sans"/>
+                <a:cs typeface="DM Sans"/>
+                <a:sym typeface="DM Sans"/>
+              </a:rPr>
+              <a:t>po</a:t>
+            </a:r>
+            <a:r>
+              <a:rPr lang="en-US" sz="3000">
+                <a:solidFill>
+                  <a:srgbClr val="01386A"/>
+                </a:solidFill>
+                <a:latin typeface="DM Sans"/>
+                <a:ea typeface="DM Sans"/>
+                <a:cs typeface="DM Sans"/>
+                <a:sym typeface="DM Sans"/>
+              </a:rPr>
+              <a:t>rt</a:t>
+            </a:r>
+            <a:r>
+              <a:rPr lang="en-US" sz="3000">
+                <a:solidFill>
+                  <a:srgbClr val="01386A"/>
+                </a:solidFill>
+                <a:latin typeface="DM Sans"/>
+                <a:ea typeface="DM Sans"/>
+                <a:cs typeface="DM Sans"/>
+                <a:sym typeface="DM Sans"/>
+              </a:rPr>
+              <a:t>)</a:t>
+            </a:r>
+          </a:p>
+          <a:p>
+            <a:pPr algn="l" marL="647700" indent="-323850" lvl="1">
               <a:lnSpc>
                 <a:spcPts val="7500"/>
               </a:lnSpc>
@@ -4305,10 +4696,70 @@
                 <a:cs typeface="DM Sans"/>
                 <a:sym typeface="DM Sans"/>
               </a:rPr>
-              <a:t>India produces </a:t>
-            </a:r>
-            <a:r>
-              <a:rPr lang="en-US" sz="3000" b="1">
+              <a:t>Ind</a:t>
+            </a:r>
+            <a:r>
+              <a:rPr lang="en-US" sz="3000">
+                <a:solidFill>
+                  <a:srgbClr val="01386A"/>
+                </a:solidFill>
+                <a:latin typeface="DM Sans"/>
+                <a:ea typeface="DM Sans"/>
+                <a:cs typeface="DM Sans"/>
+                <a:sym typeface="DM Sans"/>
+              </a:rPr>
+              <a:t>ia p</a:t>
+            </a:r>
+            <a:r>
+              <a:rPr lang="en-US" sz="3000">
+                <a:solidFill>
+                  <a:srgbClr val="01386A"/>
+                </a:solidFill>
+                <a:latin typeface="DM Sans"/>
+                <a:ea typeface="DM Sans"/>
+                <a:cs typeface="DM Sans"/>
+                <a:sym typeface="DM Sans"/>
+              </a:rPr>
+              <a:t>r</a:t>
+            </a:r>
+            <a:r>
+              <a:rPr lang="en-US" sz="3000">
+                <a:solidFill>
+                  <a:srgbClr val="01386A"/>
+                </a:solidFill>
+                <a:latin typeface="DM Sans"/>
+                <a:ea typeface="DM Sans"/>
+                <a:cs typeface="DM Sans"/>
+                <a:sym typeface="DM Sans"/>
+              </a:rPr>
+              <a:t>o</a:t>
+            </a:r>
+            <a:r>
+              <a:rPr lang="en-US" sz="3000">
+                <a:solidFill>
+                  <a:srgbClr val="01386A"/>
+                </a:solidFill>
+                <a:latin typeface="DM Sans"/>
+                <a:ea typeface="DM Sans"/>
+                <a:cs typeface="DM Sans"/>
+                <a:sym typeface="DM Sans"/>
+              </a:rPr>
+              <a:t>duc</a:t>
+            </a:r>
+            <a:r>
+              <a:rPr lang="en-US" sz="3000">
+                <a:solidFill>
+                  <a:srgbClr val="01386A"/>
+                </a:solidFill>
+                <a:latin typeface="DM Sans"/>
+                <a:ea typeface="DM Sans"/>
+                <a:cs typeface="DM Sans"/>
+                <a:sym typeface="DM Sans"/>
+              </a:rPr>
+              <a:t>es </a:t>
+            </a:r>
+            <a:r>
+              <a:rPr lang="en-US" b="true" sz="3000">
                 <a:solidFill>
                   <a:srgbClr val="01386A"/>
                 </a:solidFill>
@@ -4332,7 +4783,7 @@
               <a:t>, but </a:t>
             </a:r>
             <a:r>
-              <a:rPr lang="en-US" sz="3000" b="1">
+              <a:rPr lang="en-US" b="true" sz="3000">
                 <a:solidFill>
                   <a:srgbClr val="01386A"/>
                 </a:solidFill>
@@ -4357,7 +4808,7 @@
             </a:r>
           </a:p>
           <a:p>
-            <a:pPr marL="647700" lvl="1" indent="-323850" algn="l">
+            <a:pPr algn="l" marL="647700" indent="-323850" lvl="1">
               <a:lnSpc>
                 <a:spcPts val="7500"/>
               </a:lnSpc>
@@ -4377,7 +4828,7 @@
               <a:t>Lack of a </a:t>
             </a:r>
             <a:r>
-              <a:rPr lang="en-US" sz="3000" b="1">
+              <a:rPr lang="en-US" b="true" sz="3000">
                 <a:solidFill>
                   <a:srgbClr val="01386A"/>
                 </a:solidFill>
@@ -4398,10 +4849,166 @@
                 <a:cs typeface="DM Sans"/>
                 <a:sym typeface="DM Sans"/>
               </a:rPr>
-              <a:t> creates mismatch between </a:t>
-            </a:r>
-            <a:r>
-              <a:rPr lang="en-US" sz="3000" b="1">
+              <a:t> </a:t>
+            </a:r>
+            <a:r>
+              <a:rPr lang="en-US" sz="3000">
+                <a:solidFill>
+                  <a:srgbClr val="01386A"/>
+                </a:solidFill>
+                <a:latin typeface="DM Sans"/>
+                <a:ea typeface="DM Sans"/>
+                <a:cs typeface="DM Sans"/>
+                <a:sym typeface="DM Sans"/>
+              </a:rPr>
+              <a:t>c</a:t>
+            </a:r>
+            <a:r>
+              <a:rPr lang="en-US" sz="3000">
+                <a:solidFill>
+                  <a:srgbClr val="01386A"/>
+                </a:solidFill>
+                <a:latin typeface="DM Sans"/>
+                <a:ea typeface="DM Sans"/>
+                <a:cs typeface="DM Sans"/>
+                <a:sym typeface="DM Sans"/>
+              </a:rPr>
+              <a:t>r</a:t>
+            </a:r>
+            <a:r>
+              <a:rPr lang="en-US" sz="3000">
+                <a:solidFill>
+                  <a:srgbClr val="01386A"/>
+                </a:solidFill>
+                <a:latin typeface="DM Sans"/>
+                <a:ea typeface="DM Sans"/>
+                <a:cs typeface="DM Sans"/>
+                <a:sym typeface="DM Sans"/>
+              </a:rPr>
+              <a:t>ea</a:t>
+            </a:r>
+            <a:r>
+              <a:rPr lang="en-US" sz="3000">
+                <a:solidFill>
+                  <a:srgbClr val="01386A"/>
+                </a:solidFill>
+                <a:latin typeface="DM Sans"/>
+                <a:ea typeface="DM Sans"/>
+                <a:cs typeface="DM Sans"/>
+                <a:sym typeface="DM Sans"/>
+              </a:rPr>
+              <a:t>tes</a:t>
+            </a:r>
+            <a:r>
+              <a:rPr lang="en-US" sz="3000">
+                <a:solidFill>
+                  <a:srgbClr val="01386A"/>
+                </a:solidFill>
+                <a:latin typeface="DM Sans"/>
+                <a:ea typeface="DM Sans"/>
+                <a:cs typeface="DM Sans"/>
+                <a:sym typeface="DM Sans"/>
+              </a:rPr>
+              <a:t> </a:t>
+            </a:r>
+            <a:r>
+              <a:rPr lang="en-US" sz="3000">
+                <a:solidFill>
+                  <a:srgbClr val="01386A"/>
+                </a:solidFill>
+                <a:latin typeface="DM Sans"/>
+                <a:ea typeface="DM Sans"/>
+                <a:cs typeface="DM Sans"/>
+                <a:sym typeface="DM Sans"/>
+              </a:rPr>
+              <a:t>mi</a:t>
+            </a:r>
+            <a:r>
+              <a:rPr lang="en-US" sz="3000">
+                <a:solidFill>
+                  <a:srgbClr val="01386A"/>
+                </a:solidFill>
+                <a:latin typeface="DM Sans"/>
+                <a:ea typeface="DM Sans"/>
+                <a:cs typeface="DM Sans"/>
+                <a:sym typeface="DM Sans"/>
+              </a:rPr>
+              <a:t>s</a:t>
+            </a:r>
+            <a:r>
+              <a:rPr lang="en-US" sz="3000">
+                <a:solidFill>
+                  <a:srgbClr val="01386A"/>
+                </a:solidFill>
+                <a:latin typeface="DM Sans"/>
+                <a:ea typeface="DM Sans"/>
+                <a:cs typeface="DM Sans"/>
+                <a:sym typeface="DM Sans"/>
+              </a:rPr>
+              <a:t>matc</a:t>
+            </a:r>
+            <a:r>
+              <a:rPr lang="en-US" sz="3000">
+                <a:solidFill>
+                  <a:srgbClr val="01386A"/>
+                </a:solidFill>
+                <a:latin typeface="DM Sans"/>
+                <a:ea typeface="DM Sans"/>
+                <a:cs typeface="DM Sans"/>
+                <a:sym typeface="DM Sans"/>
+              </a:rPr>
+              <a:t>h</a:t>
+            </a:r>
+            <a:r>
+              <a:rPr lang="en-US" sz="3000">
+                <a:solidFill>
+                  <a:srgbClr val="01386A"/>
+                </a:solidFill>
+                <a:latin typeface="DM Sans"/>
+                <a:ea typeface="DM Sans"/>
+                <a:cs typeface="DM Sans"/>
+                <a:sym typeface="DM Sans"/>
+              </a:rPr>
+              <a:t> bet</a:t>
+            </a:r>
+            <a:r>
+              <a:rPr lang="en-US" sz="3000">
+                <a:solidFill>
+                  <a:srgbClr val="01386A"/>
+                </a:solidFill>
+                <a:latin typeface="DM Sans"/>
+                <a:ea typeface="DM Sans"/>
+                <a:cs typeface="DM Sans"/>
+                <a:sym typeface="DM Sans"/>
+              </a:rPr>
+              <a:t>we</a:t>
+            </a:r>
+            <a:r>
+              <a:rPr lang="en-US" sz="3000">
+                <a:solidFill>
+                  <a:srgbClr val="01386A"/>
+                </a:solidFill>
+                <a:latin typeface="DM Sans"/>
+                <a:ea typeface="DM Sans"/>
+                <a:cs typeface="DM Sans"/>
+                <a:sym typeface="DM Sans"/>
+              </a:rPr>
+              <a:t>en</a:t>
+            </a:r>
+            <a:r>
+              <a:rPr lang="en-US" sz="3000">
+                <a:solidFill>
+                  <a:srgbClr val="01386A"/>
+                </a:solidFill>
+                <a:latin typeface="DM Sans"/>
+                <a:ea typeface="DM Sans"/>
+                <a:cs typeface="DM Sans"/>
+                <a:sym typeface="DM Sans"/>
+              </a:rPr>
+              <a:t> </a:t>
+            </a:r>
+            <a:r>
+              <a:rPr lang="en-US" b="true" sz="3000">
                 <a:solidFill>
                   <a:srgbClr val="01386A"/>
                 </a:solidFill>
@@ -4426,7 +5033,7 @@
             </a:r>
           </a:p>
           <a:p>
-            <a:pPr marL="647700" lvl="1" indent="-323850" algn="l">
+            <a:pPr algn="l" marL="647700" indent="-323850" lvl="1">
               <a:lnSpc>
                 <a:spcPts val="7500"/>
               </a:lnSpc>
@@ -4443,10 +5050,34 @@
                 <a:cs typeface="DM Sans"/>
                 <a:sym typeface="DM Sans"/>
               </a:rPr>
-              <a:t>Employers spend </a:t>
-            </a:r>
-            <a:r>
-              <a:rPr lang="en-US" sz="3000" b="1">
+              <a:t>Employers sp</a:t>
+            </a:r>
+            <a:r>
+              <a:rPr lang="en-US" sz="3000">
+                <a:solidFill>
+                  <a:srgbClr val="01386A"/>
+                </a:solidFill>
+                <a:latin typeface="DM Sans"/>
+                <a:ea typeface="DM Sans"/>
+                <a:cs typeface="DM Sans"/>
+                <a:sym typeface="DM Sans"/>
+              </a:rPr>
+              <a:t>en</a:t>
+            </a:r>
+            <a:r>
+              <a:rPr lang="en-US" sz="3000">
+                <a:solidFill>
+                  <a:srgbClr val="01386A"/>
+                </a:solidFill>
+                <a:latin typeface="DM Sans"/>
+                <a:ea typeface="DM Sans"/>
+                <a:cs typeface="DM Sans"/>
+                <a:sym typeface="DM Sans"/>
+              </a:rPr>
+              <a:t>d </a:t>
+            </a:r>
+            <a:r>
+              <a:rPr lang="en-US" b="true" sz="3000">
                 <a:solidFill>
                   <a:srgbClr val="01386A"/>
                 </a:solidFill>
@@ -4467,19 +5098,211 @@
                 <a:cs typeface="DM Sans"/>
                 <a:sym typeface="DM Sans"/>
               </a:rPr>
-              <a:t> on hiring due to verification delays.</a:t>
+              <a:t> on hiring </a:t>
+            </a:r>
+            <a:r>
+              <a:rPr lang="en-US" sz="3000">
+                <a:solidFill>
+                  <a:srgbClr val="01386A"/>
+                </a:solidFill>
+                <a:latin typeface="DM Sans"/>
+                <a:ea typeface="DM Sans"/>
+                <a:cs typeface="DM Sans"/>
+                <a:sym typeface="DM Sans"/>
+              </a:rPr>
+              <a:t>d</a:t>
+            </a:r>
+            <a:r>
+              <a:rPr lang="en-US" sz="3000">
+                <a:solidFill>
+                  <a:srgbClr val="01386A"/>
+                </a:solidFill>
+                <a:latin typeface="DM Sans"/>
+                <a:ea typeface="DM Sans"/>
+                <a:cs typeface="DM Sans"/>
+                <a:sym typeface="DM Sans"/>
+              </a:rPr>
+              <a:t>u</a:t>
+            </a:r>
+            <a:r>
+              <a:rPr lang="en-US" sz="3000">
+                <a:solidFill>
+                  <a:srgbClr val="01386A"/>
+                </a:solidFill>
+                <a:latin typeface="DM Sans"/>
+                <a:ea typeface="DM Sans"/>
+                <a:cs typeface="DM Sans"/>
+                <a:sym typeface="DM Sans"/>
+              </a:rPr>
+              <a:t>e t</a:t>
+            </a:r>
+            <a:r>
+              <a:rPr lang="en-US" sz="3000">
+                <a:solidFill>
+                  <a:srgbClr val="01386A"/>
+                </a:solidFill>
+                <a:latin typeface="DM Sans"/>
+                <a:ea typeface="DM Sans"/>
+                <a:cs typeface="DM Sans"/>
+                <a:sym typeface="DM Sans"/>
+              </a:rPr>
+              <a:t>o</a:t>
+            </a:r>
+            <a:r>
+              <a:rPr lang="en-US" sz="3000">
+                <a:solidFill>
+                  <a:srgbClr val="01386A"/>
+                </a:solidFill>
+                <a:latin typeface="DM Sans"/>
+                <a:ea typeface="DM Sans"/>
+                <a:cs typeface="DM Sans"/>
+                <a:sym typeface="DM Sans"/>
+              </a:rPr>
+              <a:t> </a:t>
+            </a:r>
+            <a:r>
+              <a:rPr lang="en-US" sz="3000">
+                <a:solidFill>
+                  <a:srgbClr val="01386A"/>
+                </a:solidFill>
+                <a:latin typeface="DM Sans"/>
+                <a:ea typeface="DM Sans"/>
+                <a:cs typeface="DM Sans"/>
+                <a:sym typeface="DM Sans"/>
+              </a:rPr>
+              <a:t>veri</a:t>
+            </a:r>
+            <a:r>
+              <a:rPr lang="en-US" sz="3000">
+                <a:solidFill>
+                  <a:srgbClr val="01386A"/>
+                </a:solidFill>
+                <a:latin typeface="DM Sans"/>
+                <a:ea typeface="DM Sans"/>
+                <a:cs typeface="DM Sans"/>
+                <a:sym typeface="DM Sans"/>
+              </a:rPr>
+              <a:t>f</a:t>
+            </a:r>
+            <a:r>
+              <a:rPr lang="en-US" sz="3000">
+                <a:solidFill>
+                  <a:srgbClr val="01386A"/>
+                </a:solidFill>
+                <a:latin typeface="DM Sans"/>
+                <a:ea typeface="DM Sans"/>
+                <a:cs typeface="DM Sans"/>
+                <a:sym typeface="DM Sans"/>
+              </a:rPr>
+              <a:t>icati</a:t>
+            </a:r>
+            <a:r>
+              <a:rPr lang="en-US" sz="3000">
+                <a:solidFill>
+                  <a:srgbClr val="01386A"/>
+                </a:solidFill>
+                <a:latin typeface="DM Sans"/>
+                <a:ea typeface="DM Sans"/>
+                <a:cs typeface="DM Sans"/>
+                <a:sym typeface="DM Sans"/>
+              </a:rPr>
+              <a:t>o</a:t>
+            </a:r>
+            <a:r>
+              <a:rPr lang="en-US" sz="3000">
+                <a:solidFill>
+                  <a:srgbClr val="01386A"/>
+                </a:solidFill>
+                <a:latin typeface="DM Sans"/>
+                <a:ea typeface="DM Sans"/>
+                <a:cs typeface="DM Sans"/>
+                <a:sym typeface="DM Sans"/>
+              </a:rPr>
+              <a:t>n</a:t>
+            </a:r>
+            <a:r>
+              <a:rPr lang="en-US" sz="3000">
+                <a:solidFill>
+                  <a:srgbClr val="01386A"/>
+                </a:solidFill>
+                <a:latin typeface="DM Sans"/>
+                <a:ea typeface="DM Sans"/>
+                <a:cs typeface="DM Sans"/>
+                <a:sym typeface="DM Sans"/>
+              </a:rPr>
+              <a:t> </a:t>
+            </a:r>
+            <a:r>
+              <a:rPr lang="en-US" sz="3000">
+                <a:solidFill>
+                  <a:srgbClr val="01386A"/>
+                </a:solidFill>
+                <a:latin typeface="DM Sans"/>
+                <a:ea typeface="DM Sans"/>
+                <a:cs typeface="DM Sans"/>
+                <a:sym typeface="DM Sans"/>
+              </a:rPr>
+              <a:t>de</a:t>
+            </a:r>
+            <a:r>
+              <a:rPr lang="en-US" sz="3000">
+                <a:solidFill>
+                  <a:srgbClr val="01386A"/>
+                </a:solidFill>
+                <a:latin typeface="DM Sans"/>
+                <a:ea typeface="DM Sans"/>
+                <a:cs typeface="DM Sans"/>
+                <a:sym typeface="DM Sans"/>
+              </a:rPr>
+              <a:t>l</a:t>
+            </a:r>
+            <a:r>
+              <a:rPr lang="en-US" sz="3000">
+                <a:solidFill>
+                  <a:srgbClr val="01386A"/>
+                </a:solidFill>
+                <a:latin typeface="DM Sans"/>
+                <a:ea typeface="DM Sans"/>
+                <a:cs typeface="DM Sans"/>
+                <a:sym typeface="DM Sans"/>
+              </a:rPr>
+              <a:t>ay</a:t>
+            </a:r>
+            <a:r>
+              <a:rPr lang="en-US" sz="3000">
+                <a:solidFill>
+                  <a:srgbClr val="01386A"/>
+                </a:solidFill>
+                <a:latin typeface="DM Sans"/>
+                <a:ea typeface="DM Sans"/>
+                <a:cs typeface="DM Sans"/>
+                <a:sym typeface="DM Sans"/>
+              </a:rPr>
+              <a:t>s</a:t>
+            </a:r>
+            <a:r>
+              <a:rPr lang="en-US" sz="3000">
+                <a:solidFill>
+                  <a:srgbClr val="01386A"/>
+                </a:solidFill>
+                <a:latin typeface="DM Sans"/>
+                <a:ea typeface="DM Sans"/>
+                <a:cs typeface="DM Sans"/>
+                <a:sym typeface="DM Sans"/>
+              </a:rPr>
+              <a:t>.</a:t>
             </a:r>
           </a:p>
         </p:txBody>
       </p:sp>
       <p:grpSp>
         <p:nvGrpSpPr>
-          <p:cNvPr id="4" name="Group 4"/>
+          <p:cNvPr name="Group 4" id="4"/>
           <p:cNvGrpSpPr/>
           <p:nvPr/>
         </p:nvGrpSpPr>
         <p:grpSpPr>
-          <a:xfrm>
+          <a:xfrm rot="0">
             <a:off x="16387576" y="71341"/>
             <a:ext cx="1786124" cy="1687887"/>
             <a:chOff x="0" y="0"/>
@@ -4488,12 +5311,12 @@
         </p:grpSpPr>
         <p:sp>
           <p:nvSpPr>
-            <p:cNvPr id="5" name="Freeform 5"/>
+            <p:cNvPr name="Freeform 5" id="5"/>
             <p:cNvSpPr/>
             <p:nvPr/>
           </p:nvSpPr>
           <p:spPr>
-            <a:xfrm>
+            <a:xfrm flipH="false" flipV="false" rot="0">
               <a:off x="0" y="0"/>
               <a:ext cx="2381504" cy="2250567"/>
             </a:xfrm>
@@ -4502,9 +5325,9 @@
               <a:gdLst/>
               <a:ahLst/>
               <a:cxnLst/>
-              <a:rect l="l" t="t" r="r" b="b"/>
+              <a:rect r="r" b="b" t="t" l="l"/>
               <a:pathLst>
-                <a:path w="2381504" h="2250567">
+                <a:path h="2250567" w="2381504">
                   <a:moveTo>
                     <a:pt x="0" y="0"/>
                   </a:moveTo>
@@ -4527,7 +5350,7 @@
             <a:blipFill>
               <a:blip r:embed="rId2"/>
               <a:stretch>
-                <a:fillRect t="-99" b="-96"/>
+                <a:fillRect l="0" t="-99" r="0" b="-96"/>
               </a:stretch>
             </a:blipFill>
           </p:spPr>
@@ -4535,12 +5358,12 @@
       </p:grpSp>
       <p:sp>
         <p:nvSpPr>
-          <p:cNvPr id="6" name="Freeform 6"/>
+          <p:cNvPr name="Freeform 6" id="6"/>
           <p:cNvSpPr/>
           <p:nvPr/>
         </p:nvSpPr>
         <p:spPr>
-          <a:xfrm>
+          <a:xfrm flipH="false" flipV="false" rot="0">
             <a:off x="0" y="-20754"/>
             <a:ext cx="4647320" cy="5024130"/>
           </a:xfrm>
@@ -4549,9 +5372,9 @@
             <a:gdLst/>
             <a:ahLst/>
             <a:cxnLst/>
-            <a:rect l="l" t="t" r="r" b="b"/>
+            <a:rect r="r" b="b" t="t" l="l"/>
             <a:pathLst>
-              <a:path w="4647320" h="5024130">
+              <a:path h="5024130" w="4647320">
                 <a:moveTo>
                   <a:pt x="0" y="0"/>
                 </a:moveTo>
@@ -4580,19 +5403,19 @@
               </a:extLst>
             </a:blip>
             <a:stretch>
-              <a:fillRect t="-40" b="-40"/>
+              <a:fillRect l="0" t="-40" r="0" b="-40"/>
             </a:stretch>
           </a:blipFill>
         </p:spPr>
       </p:sp>
       <p:sp>
         <p:nvSpPr>
-          <p:cNvPr id="7" name="Freeform 7"/>
+          <p:cNvPr name="Freeform 7" id="7"/>
           <p:cNvSpPr/>
           <p:nvPr/>
         </p:nvSpPr>
         <p:spPr>
-          <a:xfrm>
+          <a:xfrm flipH="false" flipV="false" rot="0">
             <a:off x="15337087" y="7748684"/>
             <a:ext cx="2950913" cy="2520998"/>
           </a:xfrm>
@@ -4601,9 +5424,9 @@
             <a:gdLst/>
             <a:ahLst/>
             <a:cxnLst/>
-            <a:rect l="l" t="t" r="r" b="b"/>
+            <a:rect r="r" b="b" t="t" l="l"/>
             <a:pathLst>
-              <a:path w="2950913" h="2520998">
+              <a:path h="2520998" w="2950913">
                 <a:moveTo>
                   <a:pt x="0" y="0"/>
                 </a:moveTo>
@@ -4632,7 +5455,7 @@
               </a:extLst>
             </a:blip>
             <a:stretch>
-              <a:fillRect t="-8337" b="-8337"/>
+              <a:fillRect l="0" t="-8337" r="0" b="-8337"/>
             </a:stretch>
           </a:blipFill>
         </p:spPr>
@@ -4646,7 +5469,7 @@
 </file>
 
 <file path=ppt/slides/slide4.xml><?xml version="1.0" encoding="utf-8"?>
-<p:sld xmlns:a="http://schemas.openxmlformats.org/drawingml/2006/main" xmlns:r="http://schemas.openxmlformats.org/officeDocument/2006/relationships" xmlns:p="http://schemas.openxmlformats.org/presentationml/2006/main">
+<p:sld xmlns:p="http://schemas.openxmlformats.org/presentationml/2006/main" xmlns:a="http://schemas.openxmlformats.org/drawingml/2006/main" xmlns:r="http://schemas.openxmlformats.org/officeDocument/2006/relationships">
   <p:cSld>
     <p:spTree>
       <p:nvGrpSpPr>
@@ -4664,12 +5487,12 @@
       </p:grpSpPr>
       <p:sp>
         <p:nvSpPr>
-          <p:cNvPr id="2" name="TextBox 2"/>
-          <p:cNvSpPr txBox="1"/>
+          <p:cNvPr name="TextBox 2" id="2"/>
+          <p:cNvSpPr txBox="true"/>
           <p:nvPr/>
         </p:nvSpPr>
         <p:spPr>
-          <a:xfrm>
+          <a:xfrm rot="0">
             <a:off x="1495032" y="285750"/>
             <a:ext cx="14892544" cy="766445"/>
           </a:xfrm>
@@ -4678,7 +5501,7 @@
           </a:prstGeom>
         </p:spPr>
         <p:txBody>
-          <a:bodyPr lIns="0" tIns="0" rIns="0" bIns="0" rtlCol="0" anchor="t">
+          <a:bodyPr anchor="t" rtlCol="false" tIns="0" lIns="0" bIns="0" rIns="0">
             <a:spAutoFit/>
           </a:bodyPr>
           <a:lstStyle/>
@@ -4689,7 +5512,7 @@
               </a:lnSpc>
             </a:pPr>
             <a:r>
-              <a:rPr lang="en-US" sz="5799" b="1">
+              <a:rPr lang="en-US" sz="5799" b="true">
                 <a:solidFill>
                   <a:srgbClr val="01386A"/>
                 </a:solidFill>
@@ -4705,12 +5528,12 @@
       </p:sp>
       <p:grpSp>
         <p:nvGrpSpPr>
-          <p:cNvPr id="3" name="Group 3"/>
+          <p:cNvPr name="Group 3" id="3"/>
           <p:cNvGrpSpPr/>
           <p:nvPr/>
         </p:nvGrpSpPr>
         <p:grpSpPr>
-          <a:xfrm>
+          <a:xfrm rot="0">
             <a:off x="16387576" y="71341"/>
             <a:ext cx="1786124" cy="1687887"/>
             <a:chOff x="0" y="0"/>
@@ -4719,12 +5542,12 @@
         </p:grpSpPr>
         <p:sp>
           <p:nvSpPr>
-            <p:cNvPr id="4" name="Freeform 4"/>
+            <p:cNvPr name="Freeform 4" id="4"/>
             <p:cNvSpPr/>
             <p:nvPr/>
           </p:nvSpPr>
           <p:spPr>
-            <a:xfrm>
+            <a:xfrm flipH="false" flipV="false" rot="0">
               <a:off x="0" y="0"/>
               <a:ext cx="2381504" cy="2250567"/>
             </a:xfrm>
@@ -4733,9 +5556,9 @@
               <a:gdLst/>
               <a:ahLst/>
               <a:cxnLst/>
-              <a:rect l="l" t="t" r="r" b="b"/>
+              <a:rect r="r" b="b" t="t" l="l"/>
               <a:pathLst>
-                <a:path w="2381504" h="2250567">
+                <a:path h="2250567" w="2381504">
                   <a:moveTo>
                     <a:pt x="0" y="0"/>
                   </a:moveTo>
@@ -4758,7 +5581,7 @@
             <a:blipFill>
               <a:blip r:embed="rId2"/>
               <a:stretch>
-                <a:fillRect t="-99" b="-96"/>
+                <a:fillRect l="0" t="-99" r="0" b="-96"/>
               </a:stretch>
             </a:blipFill>
           </p:spPr>
@@ -4766,12 +5589,12 @@
       </p:grpSp>
       <p:sp>
         <p:nvSpPr>
-          <p:cNvPr id="5" name="Freeform 5"/>
+          <p:cNvPr name="Freeform 5" id="5"/>
           <p:cNvSpPr/>
           <p:nvPr/>
         </p:nvSpPr>
         <p:spPr>
-          <a:xfrm>
+          <a:xfrm flipH="false" flipV="false" rot="0">
             <a:off x="0" y="-20754"/>
             <a:ext cx="4647320" cy="5024130"/>
           </a:xfrm>
@@ -4780,9 +5603,9 @@
             <a:gdLst/>
             <a:ahLst/>
             <a:cxnLst/>
-            <a:rect l="l" t="t" r="r" b="b"/>
+            <a:rect r="r" b="b" t="t" l="l"/>
             <a:pathLst>
-              <a:path w="4647320" h="5024130">
+              <a:path h="5024130" w="4647320">
                 <a:moveTo>
                   <a:pt x="0" y="0"/>
                 </a:moveTo>
@@ -4811,19 +5634,19 @@
               </a:extLst>
             </a:blip>
             <a:stretch>
-              <a:fillRect t="-40" b="-40"/>
+              <a:fillRect l="0" t="-40" r="0" b="-40"/>
             </a:stretch>
           </a:blipFill>
         </p:spPr>
       </p:sp>
       <p:sp>
         <p:nvSpPr>
-          <p:cNvPr id="6" name="Freeform 6"/>
+          <p:cNvPr name="Freeform 6" id="6"/>
           <p:cNvSpPr/>
           <p:nvPr/>
         </p:nvSpPr>
         <p:spPr>
-          <a:xfrm>
+          <a:xfrm flipH="false" flipV="false" rot="0">
             <a:off x="15337087" y="7748684"/>
             <a:ext cx="2950913" cy="2520998"/>
           </a:xfrm>
@@ -4832,9 +5655,9 @@
             <a:gdLst/>
             <a:ahLst/>
             <a:cxnLst/>
-            <a:rect l="l" t="t" r="r" b="b"/>
+            <a:rect r="r" b="b" t="t" l="l"/>
             <a:pathLst>
-              <a:path w="2950913" h="2520998">
+              <a:path h="2520998" w="2950913">
                 <a:moveTo>
                   <a:pt x="0" y="0"/>
                 </a:moveTo>
@@ -4863,19 +5686,19 @@
               </a:extLst>
             </a:blip>
             <a:stretch>
-              <a:fillRect t="-8337" b="-8337"/>
+              <a:fillRect l="0" t="-8337" r="0" b="-8337"/>
             </a:stretch>
           </a:blipFill>
         </p:spPr>
       </p:sp>
       <p:sp>
         <p:nvSpPr>
-          <p:cNvPr id="7" name="TextBox 7"/>
-          <p:cNvSpPr txBox="1"/>
+          <p:cNvPr name="TextBox 7" id="7"/>
+          <p:cNvSpPr txBox="true"/>
           <p:nvPr/>
         </p:nvSpPr>
         <p:spPr>
-          <a:xfrm>
+          <a:xfrm rot="0">
             <a:off x="1485244" y="1676400"/>
             <a:ext cx="15317511" cy="6553200"/>
           </a:xfrm>
@@ -4884,7 +5707,7 @@
           </a:prstGeom>
         </p:spPr>
         <p:txBody>
-          <a:bodyPr lIns="0" tIns="0" rIns="0" bIns="0" rtlCol="0" anchor="t">
+          <a:bodyPr anchor="t" rtlCol="false" tIns="0" lIns="0" bIns="0" rIns="0">
             <a:spAutoFit/>
           </a:bodyPr>
           <a:lstStyle/>
@@ -4895,7 +5718,7 @@
               </a:lnSpc>
             </a:pPr>
             <a:r>
-              <a:rPr lang="en-US" sz="3000" b="1">
+              <a:rPr lang="en-US" sz="3000" b="true">
                 <a:solidFill>
                   <a:srgbClr val="01386A"/>
                 </a:solidFill>
@@ -4904,11 +5727,23 @@
                 <a:cs typeface="DM Sans Bold"/>
                 <a:sym typeface="DM Sans Bold"/>
               </a:rPr>
-              <a:t>Skill Identity Card (Physical + Digital)</a:t>
-            </a:r>
-          </a:p>
-          <a:p>
-            <a:pPr marL="647700" lvl="1" indent="-323850" algn="l">
+              <a:t>Skill</a:t>
+            </a:r>
+            <a:r>
+              <a:rPr lang="en-US" sz="3000" b="true">
+                <a:solidFill>
+                  <a:srgbClr val="01386A"/>
+                </a:solidFill>
+                <a:latin typeface="DM Sans Bold"/>
+                <a:ea typeface="DM Sans Bold"/>
+                <a:cs typeface="DM Sans Bold"/>
+                <a:sym typeface="DM Sans Bold"/>
+              </a:rPr>
+              <a:t> Identity Card (Physical + Digital)</a:t>
+            </a:r>
+          </a:p>
+          <a:p>
+            <a:pPr algn="l" marL="647700" indent="-323850" lvl="1">
               <a:lnSpc>
                 <a:spcPts val="7500"/>
               </a:lnSpc>
@@ -4928,7 +5763,7 @@
               <a:t>Unique </a:t>
             </a:r>
             <a:r>
-              <a:rPr lang="en-US" sz="3000" b="1">
+              <a:rPr lang="en-US" b="true" sz="3000">
                 <a:solidFill>
                   <a:srgbClr val="01386A"/>
                 </a:solidFill>
@@ -4941,7 +5776,7 @@
             </a:r>
           </a:p>
           <a:p>
-            <a:pPr marL="647700" lvl="1" indent="-323850" algn="l">
+            <a:pPr algn="l" marL="647700" indent="-323850" lvl="1">
               <a:lnSpc>
                 <a:spcPts val="7500"/>
               </a:lnSpc>
@@ -4949,7 +5784,7 @@
               <a:buChar char="•"/>
             </a:pPr>
             <a:r>
-              <a:rPr lang="en-US" sz="3000" b="1">
+              <a:rPr lang="en-US" b="true" sz="3000">
                 <a:solidFill>
                   <a:srgbClr val="01386A"/>
                 </a:solidFill>
@@ -4974,7 +5809,7 @@
             </a:r>
           </a:p>
           <a:p>
-            <a:pPr marL="647700" lvl="1" indent="-323850" algn="l">
+            <a:pPr algn="l" marL="647700" indent="-323850" lvl="1">
               <a:lnSpc>
                 <a:spcPts val="7500"/>
               </a:lnSpc>
@@ -4982,7 +5817,7 @@
               <a:buChar char="•"/>
             </a:pPr>
             <a:r>
-              <a:rPr lang="en-US" sz="3000" b="1">
+              <a:rPr lang="en-US" b="true" sz="3000">
                 <a:solidFill>
                   <a:srgbClr val="01386A"/>
                 </a:solidFill>
@@ -5013,7 +5848,7 @@
               </a:lnSpc>
             </a:pPr>
             <a:r>
-              <a:rPr lang="en-US" sz="3000" b="1">
+              <a:rPr lang="en-US" sz="3000" b="true">
                 <a:solidFill>
                   <a:srgbClr val="01386A"/>
                 </a:solidFill>
@@ -5026,7 +5861,7 @@
             </a:r>
           </a:p>
           <a:p>
-            <a:pPr marL="647700" lvl="1" indent="-323850" algn="l">
+            <a:pPr algn="l" marL="647700" indent="-323850" lvl="1">
               <a:lnSpc>
                 <a:spcPts val="7500"/>
               </a:lnSpc>
@@ -5043,11 +5878,23 @@
                 <a:cs typeface="DM Sans"/>
                 <a:sym typeface="DM Sans"/>
               </a:rPr>
-              <a:t>Enter ID / Scan QR → View verified skills.</a:t>
-            </a:r>
-          </a:p>
-          <a:p>
-            <a:pPr marL="647700" lvl="1" indent="-323850" algn="l">
+              <a:t>Enter</a:t>
+            </a:r>
+            <a:r>
+              <a:rPr lang="en-US" sz="3000">
+                <a:solidFill>
+                  <a:srgbClr val="01386A"/>
+                </a:solidFill>
+                <a:latin typeface="DM Sans"/>
+                <a:ea typeface="DM Sans"/>
+                <a:cs typeface="DM Sans"/>
+                <a:sym typeface="DM Sans"/>
+              </a:rPr>
+              <a:t> ID / Scan QR → View verified skills.</a:t>
+            </a:r>
+          </a:p>
+          <a:p>
+            <a:pPr algn="l" marL="647700" indent="-323850" lvl="1">
               <a:lnSpc>
                 <a:spcPts val="7500"/>
               </a:lnSpc>
@@ -5064,19 +5911,31 @@
                 <a:cs typeface="DM Sans"/>
                 <a:sym typeface="DM Sans"/>
               </a:rPr>
-              <a:t>Shows: Skill Name, Score (%), Issuing Authority, Certificate Download.</a:t>
+              <a:t>Sh</a:t>
+            </a:r>
+            <a:r>
+              <a:rPr lang="en-US" sz="3000">
+                <a:solidFill>
+                  <a:srgbClr val="01386A"/>
+                </a:solidFill>
+                <a:latin typeface="DM Sans"/>
+                <a:ea typeface="DM Sans"/>
+                <a:cs typeface="DM Sans"/>
+                <a:sym typeface="DM Sans"/>
+              </a:rPr>
+              <a:t>ows: Skill Name, Score (%), Issuing Authority, Certificate Download.</a:t>
             </a:r>
           </a:p>
         </p:txBody>
       </p:sp>
       <p:sp>
         <p:nvSpPr>
-          <p:cNvPr id="8" name="Freeform 8"/>
+          <p:cNvPr name="Freeform 8" id="8"/>
           <p:cNvSpPr/>
           <p:nvPr/>
         </p:nvSpPr>
         <p:spPr>
-          <a:xfrm>
+          <a:xfrm flipH="false" flipV="false" rot="0">
             <a:off x="11054693" y="1302040"/>
             <a:ext cx="4136404" cy="2945976"/>
           </a:xfrm>
@@ -5085,9 +5944,9 @@
             <a:gdLst/>
             <a:ahLst/>
             <a:cxnLst/>
-            <a:rect l="l" t="t" r="r" b="b"/>
+            <a:rect r="r" b="b" t="t" l="l"/>
             <a:pathLst>
-              <a:path w="4136404" h="2945976">
+              <a:path h="2945976" w="4136404">
                 <a:moveTo>
                   <a:pt x="0" y="0"/>
                 </a:moveTo>
@@ -5110,7 +5969,7 @@
           <a:blipFill>
             <a:blip r:embed="rId7"/>
             <a:stretch>
-              <a:fillRect/>
+              <a:fillRect l="0" t="0" r="0" b="0"/>
             </a:stretch>
           </a:blipFill>
           <a:ln w="9525" cap="sq">
@@ -5124,12 +5983,12 @@
       </p:sp>
       <p:sp>
         <p:nvSpPr>
-          <p:cNvPr id="9" name="Freeform 9"/>
+          <p:cNvPr name="Freeform 9" id="9"/>
           <p:cNvSpPr/>
           <p:nvPr/>
         </p:nvSpPr>
         <p:spPr>
-          <a:xfrm>
+          <a:xfrm flipH="false" flipV="false" rot="0">
             <a:off x="13122896" y="4497861"/>
             <a:ext cx="4136404" cy="2945976"/>
           </a:xfrm>
@@ -5138,9 +5997,9 @@
             <a:gdLst/>
             <a:ahLst/>
             <a:cxnLst/>
-            <a:rect l="l" t="t" r="r" b="b"/>
+            <a:rect r="r" b="b" t="t" l="l"/>
             <a:pathLst>
-              <a:path w="4136404" h="2945976">
+              <a:path h="2945976" w="4136404">
                 <a:moveTo>
                   <a:pt x="0" y="0"/>
                 </a:moveTo>
@@ -5163,7 +6022,7 @@
           <a:blipFill>
             <a:blip r:embed="rId8"/>
             <a:stretch>
-              <a:fillRect/>
+              <a:fillRect l="0" t="0" r="0" b="0"/>
             </a:stretch>
           </a:blipFill>
           <a:ln w="9525" cap="sq">
@@ -5184,7 +6043,7 @@
 </file>
 
 <file path=ppt/slides/slide5.xml><?xml version="1.0" encoding="utf-8"?>
-<p:sld xmlns:a="http://schemas.openxmlformats.org/drawingml/2006/main" xmlns:r="http://schemas.openxmlformats.org/officeDocument/2006/relationships" xmlns:p="http://schemas.openxmlformats.org/presentationml/2006/main">
+<p:sld xmlns:p="http://schemas.openxmlformats.org/presentationml/2006/main" xmlns:a="http://schemas.openxmlformats.org/drawingml/2006/main" xmlns:r="http://schemas.openxmlformats.org/officeDocument/2006/relationships">
   <p:cSld>
     <p:spTree>
       <p:nvGrpSpPr>
@@ -5202,12 +6061,12 @@
       </p:grpSpPr>
       <p:sp>
         <p:nvSpPr>
-          <p:cNvPr id="2" name="TextBox 2"/>
-          <p:cNvSpPr txBox="1"/>
+          <p:cNvPr name="TextBox 2" id="2"/>
+          <p:cNvSpPr txBox="true"/>
           <p:nvPr/>
         </p:nvSpPr>
         <p:spPr>
-          <a:xfrm>
+          <a:xfrm rot="0">
             <a:off x="1495032" y="285750"/>
             <a:ext cx="14892544" cy="766445"/>
           </a:xfrm>
@@ -5216,7 +6075,7 @@
           </a:prstGeom>
         </p:spPr>
         <p:txBody>
-          <a:bodyPr lIns="0" tIns="0" rIns="0" bIns="0" rtlCol="0" anchor="t">
+          <a:bodyPr anchor="t" rtlCol="false" tIns="0" lIns="0" bIns="0" rIns="0">
             <a:spAutoFit/>
           </a:bodyPr>
           <a:lstStyle/>
@@ -5227,7 +6086,7 @@
               </a:lnSpc>
             </a:pPr>
             <a:r>
-              <a:rPr lang="en-US" sz="5799" b="1">
+              <a:rPr lang="en-US" sz="5799" b="true">
                 <a:solidFill>
                   <a:srgbClr val="01386A"/>
                 </a:solidFill>
@@ -5243,12 +6102,12 @@
       </p:sp>
       <p:sp>
         <p:nvSpPr>
-          <p:cNvPr id="3" name="TextBox 3"/>
-          <p:cNvSpPr txBox="1"/>
+          <p:cNvPr name="TextBox 3" id="3"/>
+          <p:cNvSpPr txBox="true"/>
           <p:nvPr/>
         </p:nvSpPr>
         <p:spPr>
-          <a:xfrm>
+          <a:xfrm rot="0">
             <a:off x="1485244" y="1521103"/>
             <a:ext cx="7658756" cy="8315325"/>
           </a:xfrm>
@@ -5257,12 +6116,12 @@
           </a:prstGeom>
         </p:spPr>
         <p:txBody>
-          <a:bodyPr lIns="0" tIns="0" rIns="0" bIns="0" rtlCol="0" anchor="t">
+          <a:bodyPr anchor="t" rtlCol="false" tIns="0" lIns="0" bIns="0" rIns="0">
             <a:spAutoFit/>
           </a:bodyPr>
           <a:lstStyle/>
           <a:p>
-            <a:pPr marL="647700" lvl="1" indent="-323850" algn="l">
+            <a:pPr algn="l" marL="647700" indent="-323850" lvl="1">
               <a:lnSpc>
                 <a:spcPts val="6000"/>
               </a:lnSpc>
@@ -5279,11 +6138,23 @@
                 <a:cs typeface="DM Sans"/>
                 <a:sym typeface="DM Sans"/>
               </a:rPr>
-              <a:t>✔ Verified skill database (centralised &amp; secure).</a:t>
-            </a:r>
-          </a:p>
-          <a:p>
-            <a:pPr marL="647700" lvl="1" indent="-323850" algn="l">
+              <a:t>✔</a:t>
+            </a:r>
+            <a:r>
+              <a:rPr lang="en-US" sz="3000">
+                <a:solidFill>
+                  <a:srgbClr val="01386A"/>
+                </a:solidFill>
+                <a:latin typeface="DM Sans"/>
+                <a:ea typeface="DM Sans"/>
+                <a:cs typeface="DM Sans"/>
+                <a:sym typeface="DM Sans"/>
+              </a:rPr>
+              <a:t> Verified skill database (centralised &amp; secure).</a:t>
+            </a:r>
+          </a:p>
+          <a:p>
+            <a:pPr algn="l" marL="647700" indent="-323850" lvl="1">
               <a:lnSpc>
                 <a:spcPts val="6000"/>
               </a:lnSpc>
@@ -5304,7 +6175,7 @@
             </a:r>
           </a:p>
           <a:p>
-            <a:pPr marL="647700" lvl="1" indent="-323850" algn="l">
+            <a:pPr algn="l" marL="647700" indent="-323850" lvl="1">
               <a:lnSpc>
                 <a:spcPts val="6000"/>
               </a:lnSpc>
@@ -5325,7 +6196,7 @@
             </a:r>
           </a:p>
           <a:p>
-            <a:pPr marL="647700" lvl="1" indent="-323850" algn="l">
+            <a:pPr algn="l" marL="647700" indent="-323850" lvl="1">
               <a:lnSpc>
                 <a:spcPts val="6000"/>
               </a:lnSpc>
@@ -5346,7 +6217,7 @@
             </a:r>
           </a:p>
           <a:p>
-            <a:pPr marL="647700" lvl="1" indent="-323850" algn="l">
+            <a:pPr algn="l" marL="647700" indent="-323850" lvl="1">
               <a:lnSpc>
                 <a:spcPts val="6000"/>
               </a:lnSpc>
@@ -5370,12 +6241,12 @@
       </p:sp>
       <p:grpSp>
         <p:nvGrpSpPr>
-          <p:cNvPr id="4" name="Group 4"/>
+          <p:cNvPr name="Group 4" id="4"/>
           <p:cNvGrpSpPr/>
           <p:nvPr/>
         </p:nvGrpSpPr>
         <p:grpSpPr>
-          <a:xfrm>
+          <a:xfrm rot="0">
             <a:off x="16387576" y="71341"/>
             <a:ext cx="1786124" cy="1687887"/>
             <a:chOff x="0" y="0"/>
@@ -5384,12 +6255,12 @@
         </p:grpSpPr>
         <p:sp>
           <p:nvSpPr>
-            <p:cNvPr id="5" name="Freeform 5"/>
+            <p:cNvPr name="Freeform 5" id="5"/>
             <p:cNvSpPr/>
             <p:nvPr/>
           </p:nvSpPr>
           <p:spPr>
-            <a:xfrm>
+            <a:xfrm flipH="false" flipV="false" rot="0">
               <a:off x="0" y="0"/>
               <a:ext cx="2381504" cy="2250567"/>
             </a:xfrm>
@@ -5398,9 +6269,9 @@
               <a:gdLst/>
               <a:ahLst/>
               <a:cxnLst/>
-              <a:rect l="l" t="t" r="r" b="b"/>
+              <a:rect r="r" b="b" t="t" l="l"/>
               <a:pathLst>
-                <a:path w="2381504" h="2250567">
+                <a:path h="2250567" w="2381504">
                   <a:moveTo>
                     <a:pt x="0" y="0"/>
                   </a:moveTo>
@@ -5423,7 +6294,7 @@
             <a:blipFill>
               <a:blip r:embed="rId2"/>
               <a:stretch>
-                <a:fillRect t="-99" b="-96"/>
+                <a:fillRect l="0" t="-99" r="0" b="-96"/>
               </a:stretch>
             </a:blipFill>
           </p:spPr>
@@ -5431,12 +6302,12 @@
       </p:grpSp>
       <p:sp>
         <p:nvSpPr>
-          <p:cNvPr id="6" name="Freeform 6"/>
+          <p:cNvPr name="Freeform 6" id="6"/>
           <p:cNvSpPr/>
           <p:nvPr/>
         </p:nvSpPr>
         <p:spPr>
-          <a:xfrm>
+          <a:xfrm flipH="false" flipV="false" rot="0">
             <a:off x="0" y="-20754"/>
             <a:ext cx="4647320" cy="5024130"/>
           </a:xfrm>
@@ -5445,9 +6316,9 @@
             <a:gdLst/>
             <a:ahLst/>
             <a:cxnLst/>
-            <a:rect l="l" t="t" r="r" b="b"/>
+            <a:rect r="r" b="b" t="t" l="l"/>
             <a:pathLst>
-              <a:path w="4647320" h="5024130">
+              <a:path h="5024130" w="4647320">
                 <a:moveTo>
                   <a:pt x="0" y="0"/>
                 </a:moveTo>
@@ -5476,19 +6347,19 @@
               </a:extLst>
             </a:blip>
             <a:stretch>
-              <a:fillRect t="-40" b="-40"/>
+              <a:fillRect l="0" t="-40" r="0" b="-40"/>
             </a:stretch>
           </a:blipFill>
         </p:spPr>
       </p:sp>
       <p:sp>
         <p:nvSpPr>
-          <p:cNvPr id="7" name="Freeform 7"/>
+          <p:cNvPr name="Freeform 7" id="7"/>
           <p:cNvSpPr/>
           <p:nvPr/>
         </p:nvSpPr>
         <p:spPr>
-          <a:xfrm>
+          <a:xfrm flipH="false" flipV="false" rot="0">
             <a:off x="15337087" y="7748684"/>
             <a:ext cx="2950913" cy="2520998"/>
           </a:xfrm>
@@ -5497,9 +6368,9 @@
             <a:gdLst/>
             <a:ahLst/>
             <a:cxnLst/>
-            <a:rect l="l" t="t" r="r" b="b"/>
+            <a:rect r="r" b="b" t="t" l="l"/>
             <a:pathLst>
-              <a:path w="2950913" h="2520998">
+              <a:path h="2520998" w="2950913">
                 <a:moveTo>
                   <a:pt x="0" y="0"/>
                 </a:moveTo>
@@ -5528,19 +6399,19 @@
               </a:extLst>
             </a:blip>
             <a:stretch>
-              <a:fillRect t="-8337" b="-8337"/>
+              <a:fillRect l="0" t="-8337" r="0" b="-8337"/>
             </a:stretch>
           </a:blipFill>
         </p:spPr>
       </p:sp>
       <p:sp>
         <p:nvSpPr>
-          <p:cNvPr id="8" name="TextBox 8"/>
-          <p:cNvSpPr txBox="1"/>
+          <p:cNvPr name="TextBox 8" id="8"/>
+          <p:cNvSpPr txBox="true"/>
           <p:nvPr/>
         </p:nvSpPr>
         <p:spPr>
-          <a:xfrm>
+          <a:xfrm rot="0">
             <a:off x="9144000" y="2577036"/>
             <a:ext cx="8115300" cy="612140"/>
           </a:xfrm>
@@ -5549,7 +6420,7 @@
           </a:prstGeom>
         </p:spPr>
         <p:txBody>
-          <a:bodyPr lIns="0" tIns="0" rIns="0" bIns="0" rtlCol="0" anchor="t">
+          <a:bodyPr anchor="t" rtlCol="false" tIns="0" lIns="0" bIns="0" rIns="0">
             <a:spAutoFit/>
           </a:bodyPr>
           <a:lstStyle/>
@@ -5563,7 +6434,7 @@
               </a:spcBef>
             </a:pPr>
             <a:r>
-              <a:rPr lang="en-US" sz="4600" b="1" i="1" u="sng">
+              <a:rPr lang="en-US" b="true" sz="4600" i="true" u="sng">
                 <a:solidFill>
                   <a:srgbClr val="01386A"/>
                 </a:solidFill>
@@ -5579,12 +6450,12 @@
       </p:sp>
       <p:sp>
         <p:nvSpPr>
-          <p:cNvPr id="9" name="TextBox 9"/>
-          <p:cNvSpPr txBox="1"/>
+          <p:cNvPr name="TextBox 9" id="9"/>
+          <p:cNvSpPr txBox="true"/>
           <p:nvPr/>
         </p:nvSpPr>
         <p:spPr>
-          <a:xfrm>
+          <a:xfrm rot="0">
             <a:off x="9144000" y="3478205"/>
             <a:ext cx="8115300" cy="3743325"/>
           </a:xfrm>
@@ -5593,12 +6464,12 @@
           </a:prstGeom>
         </p:spPr>
         <p:txBody>
-          <a:bodyPr lIns="0" tIns="0" rIns="0" bIns="0" rtlCol="0" anchor="t">
+          <a:bodyPr anchor="t" rtlCol="false" tIns="0" lIns="0" bIns="0" rIns="0">
             <a:spAutoFit/>
           </a:bodyPr>
           <a:lstStyle/>
           <a:p>
-            <a:pPr marL="647700" lvl="1" indent="-323850" algn="l">
+            <a:pPr algn="l" marL="647700" indent="-323850" lvl="1">
               <a:lnSpc>
                 <a:spcPts val="6000"/>
               </a:lnSpc>
@@ -5606,7 +6477,7 @@
               <a:buChar char="•"/>
             </a:pPr>
             <a:r>
-              <a:rPr lang="en-US" sz="3000" b="1">
+              <a:rPr lang="en-US" b="true" sz="3000">
                 <a:solidFill>
                   <a:srgbClr val="01386A"/>
                 </a:solidFill>
@@ -5631,7 +6502,7 @@
             </a:r>
           </a:p>
           <a:p>
-            <a:pPr marL="647700" lvl="1" indent="-323850" algn="l">
+            <a:pPr algn="l" marL="647700" indent="-323850" lvl="1">
               <a:lnSpc>
                 <a:spcPts val="6000"/>
               </a:lnSpc>
@@ -5639,7 +6510,7 @@
               <a:buChar char="•"/>
             </a:pPr>
             <a:r>
-              <a:rPr lang="en-US" sz="3000" b="1">
+              <a:rPr lang="en-US" b="true" sz="3000">
                 <a:solidFill>
                   <a:srgbClr val="01386A"/>
                 </a:solidFill>
@@ -5664,7 +6535,7 @@
             </a:r>
           </a:p>
           <a:p>
-            <a:pPr marL="647700" lvl="1" indent="-323850" algn="l">
+            <a:pPr algn="l" marL="647700" indent="-323850" lvl="1">
               <a:lnSpc>
                 <a:spcPts val="6000"/>
               </a:lnSpc>
@@ -5672,7 +6543,7 @@
               <a:buChar char="•"/>
             </a:pPr>
             <a:r>
-              <a:rPr lang="en-US" sz="3000" b="1">
+              <a:rPr lang="en-US" b="true" sz="3000">
                 <a:solidFill>
                   <a:srgbClr val="01386A"/>
                 </a:solidFill>
@@ -5697,7 +6568,7 @@
             </a:r>
           </a:p>
           <a:p>
-            <a:pPr marL="647700" lvl="1" indent="-323850" algn="l">
+            <a:pPr algn="l" marL="647700" indent="-323850" lvl="1">
               <a:lnSpc>
                 <a:spcPts val="6000"/>
               </a:lnSpc>
@@ -5705,7 +6576,7 @@
               <a:buChar char="•"/>
             </a:pPr>
             <a:r>
-              <a:rPr lang="en-US" sz="3000" b="1">
+              <a:rPr lang="en-US" b="true" sz="3000">
                 <a:solidFill>
                   <a:srgbClr val="01386A"/>
                 </a:solidFill>
@@ -5740,7 +6611,7 @@
 </file>
 
 <file path=ppt/slides/slide6.xml><?xml version="1.0" encoding="utf-8"?>
-<p:sld xmlns:a="http://schemas.openxmlformats.org/drawingml/2006/main" xmlns:r="http://schemas.openxmlformats.org/officeDocument/2006/relationships" xmlns:p="http://schemas.openxmlformats.org/presentationml/2006/main">
+<p:sld xmlns:p="http://schemas.openxmlformats.org/presentationml/2006/main" xmlns:a="http://schemas.openxmlformats.org/drawingml/2006/main" xmlns:r="http://schemas.openxmlformats.org/officeDocument/2006/relationships">
   <p:cSld>
     <p:spTree>
       <p:nvGrpSpPr>
@@ -5758,12 +6629,12 @@
       </p:grpSpPr>
       <p:sp>
         <p:nvSpPr>
-          <p:cNvPr id="2" name="TextBox 2"/>
-          <p:cNvSpPr txBox="1"/>
+          <p:cNvPr name="TextBox 2" id="2"/>
+          <p:cNvSpPr txBox="true"/>
           <p:nvPr/>
         </p:nvSpPr>
         <p:spPr>
-          <a:xfrm>
+          <a:xfrm rot="0">
             <a:off x="1495032" y="285750"/>
             <a:ext cx="14892544" cy="766445"/>
           </a:xfrm>
@@ -5772,7 +6643,7 @@
           </a:prstGeom>
         </p:spPr>
         <p:txBody>
-          <a:bodyPr lIns="0" tIns="0" rIns="0" bIns="0" rtlCol="0" anchor="t">
+          <a:bodyPr anchor="t" rtlCol="false" tIns="0" lIns="0" bIns="0" rIns="0">
             <a:spAutoFit/>
           </a:bodyPr>
           <a:lstStyle/>
@@ -5783,7 +6654,7 @@
               </a:lnSpc>
             </a:pPr>
             <a:r>
-              <a:rPr lang="en-US" sz="5799" b="1">
+              <a:rPr lang="en-US" sz="5799" b="true">
                 <a:solidFill>
                   <a:srgbClr val="01386A"/>
                 </a:solidFill>
@@ -5799,12 +6670,12 @@
       </p:sp>
       <p:grpSp>
         <p:nvGrpSpPr>
-          <p:cNvPr id="3" name="Group 3"/>
+          <p:cNvPr name="Group 3" id="3"/>
           <p:cNvGrpSpPr/>
           <p:nvPr/>
         </p:nvGrpSpPr>
         <p:grpSpPr>
-          <a:xfrm>
+          <a:xfrm rot="0">
             <a:off x="16387576" y="71341"/>
             <a:ext cx="1786124" cy="1687887"/>
             <a:chOff x="0" y="0"/>
@@ -5813,12 +6684,12 @@
         </p:grpSpPr>
         <p:sp>
           <p:nvSpPr>
-            <p:cNvPr id="4" name="Freeform 4"/>
+            <p:cNvPr name="Freeform 4" id="4"/>
             <p:cNvSpPr/>
             <p:nvPr/>
           </p:nvSpPr>
           <p:spPr>
-            <a:xfrm>
+            <a:xfrm flipH="false" flipV="false" rot="0">
               <a:off x="0" y="0"/>
               <a:ext cx="2381504" cy="2250567"/>
             </a:xfrm>
@@ -5827,9 +6698,9 @@
               <a:gdLst/>
               <a:ahLst/>
               <a:cxnLst/>
-              <a:rect l="l" t="t" r="r" b="b"/>
+              <a:rect r="r" b="b" t="t" l="l"/>
               <a:pathLst>
-                <a:path w="2381504" h="2250567">
+                <a:path h="2250567" w="2381504">
                   <a:moveTo>
                     <a:pt x="0" y="0"/>
                   </a:moveTo>
@@ -5852,7 +6723,7 @@
             <a:blipFill>
               <a:blip r:embed="rId2"/>
               <a:stretch>
-                <a:fillRect t="-99" b="-96"/>
+                <a:fillRect l="0" t="-99" r="0" b="-96"/>
               </a:stretch>
             </a:blipFill>
           </p:spPr>
@@ -5860,12 +6731,12 @@
       </p:grpSp>
       <p:sp>
         <p:nvSpPr>
-          <p:cNvPr id="5" name="Freeform 5"/>
+          <p:cNvPr name="Freeform 5" id="5"/>
           <p:cNvSpPr/>
           <p:nvPr/>
         </p:nvSpPr>
         <p:spPr>
-          <a:xfrm>
+          <a:xfrm flipH="false" flipV="false" rot="0">
             <a:off x="0" y="-20754"/>
             <a:ext cx="4647320" cy="5024130"/>
           </a:xfrm>
@@ -5874,9 +6745,9 @@
             <a:gdLst/>
             <a:ahLst/>
             <a:cxnLst/>
-            <a:rect l="l" t="t" r="r" b="b"/>
+            <a:rect r="r" b="b" t="t" l="l"/>
             <a:pathLst>
-              <a:path w="4647320" h="5024130">
+              <a:path h="5024130" w="4647320">
                 <a:moveTo>
                   <a:pt x="0" y="0"/>
                 </a:moveTo>
@@ -5905,19 +6776,19 @@
               </a:extLst>
             </a:blip>
             <a:stretch>
-              <a:fillRect t="-40" b="-40"/>
+              <a:fillRect l="0" t="-40" r="0" b="-40"/>
             </a:stretch>
           </a:blipFill>
         </p:spPr>
       </p:sp>
       <p:sp>
         <p:nvSpPr>
-          <p:cNvPr id="6" name="Freeform 6"/>
+          <p:cNvPr name="Freeform 6" id="6"/>
           <p:cNvSpPr/>
           <p:nvPr/>
         </p:nvSpPr>
         <p:spPr>
-          <a:xfrm>
+          <a:xfrm flipH="false" flipV="false" rot="0">
             <a:off x="15337087" y="7748684"/>
             <a:ext cx="2950913" cy="2520998"/>
           </a:xfrm>
@@ -5926,9 +6797,9 @@
             <a:gdLst/>
             <a:ahLst/>
             <a:cxnLst/>
-            <a:rect l="l" t="t" r="r" b="b"/>
+            <a:rect r="r" b="b" t="t" l="l"/>
             <a:pathLst>
-              <a:path w="2950913" h="2520998">
+              <a:path h="2520998" w="2950913">
                 <a:moveTo>
                   <a:pt x="0" y="0"/>
                 </a:moveTo>
@@ -5957,19 +6828,19 @@
               </a:extLst>
             </a:blip>
             <a:stretch>
-              <a:fillRect t="-8337" b="-8337"/>
+              <a:fillRect l="0" t="-8337" r="0" b="-8337"/>
             </a:stretch>
           </a:blipFill>
         </p:spPr>
       </p:sp>
       <p:sp>
         <p:nvSpPr>
-          <p:cNvPr id="7" name="TextBox 7"/>
-          <p:cNvSpPr txBox="1"/>
+          <p:cNvPr name="TextBox 7" id="7"/>
+          <p:cNvSpPr txBox="true"/>
           <p:nvPr/>
         </p:nvSpPr>
         <p:spPr>
-          <a:xfrm>
+          <a:xfrm rot="0">
             <a:off x="1485244" y="2152650"/>
             <a:ext cx="15317511" cy="5600700"/>
           </a:xfrm>
@@ -5978,12 +6849,12 @@
           </a:prstGeom>
         </p:spPr>
         <p:txBody>
-          <a:bodyPr lIns="0" tIns="0" rIns="0" bIns="0" rtlCol="0" anchor="t">
+          <a:bodyPr anchor="t" rtlCol="false" tIns="0" lIns="0" bIns="0" rIns="0">
             <a:spAutoFit/>
           </a:bodyPr>
           <a:lstStyle/>
           <a:p>
-            <a:pPr marL="647700" lvl="1" indent="-323850" algn="l">
+            <a:pPr algn="l" marL="647700" indent="-323850" lvl="1">
               <a:lnSpc>
                 <a:spcPts val="7500"/>
               </a:lnSpc>
@@ -6000,10 +6871,22 @@
                 <a:cs typeface="DM Sans"/>
                 <a:sym typeface="DM Sans"/>
               </a:rPr>
-              <a:t>First-of-its-kind </a:t>
-            </a:r>
-            <a:r>
-              <a:rPr lang="en-US" sz="3000" b="1">
+              <a:t>Fi</a:t>
+            </a:r>
+            <a:r>
+              <a:rPr lang="en-US" sz="3000">
+                <a:solidFill>
+                  <a:srgbClr val="01386A"/>
+                </a:solidFill>
+                <a:latin typeface="DM Sans"/>
+                <a:ea typeface="DM Sans"/>
+                <a:cs typeface="DM Sans"/>
+                <a:sym typeface="DM Sans"/>
+              </a:rPr>
+              <a:t>rst-of-its-kind </a:t>
+            </a:r>
+            <a:r>
+              <a:rPr lang="en-US" b="true" sz="3000">
                 <a:solidFill>
                   <a:srgbClr val="01386A"/>
                 </a:solidFill>
@@ -6028,7 +6911,7 @@
             </a:r>
           </a:p>
           <a:p>
-            <a:pPr marL="647700" lvl="1" indent="-323850" algn="l">
+            <a:pPr algn="l" marL="647700" indent="-323850" lvl="1">
               <a:lnSpc>
                 <a:spcPts val="7500"/>
               </a:lnSpc>
@@ -6048,7 +6931,7 @@
               <a:t>Eliminates fake resumes, ensures </a:t>
             </a:r>
             <a:r>
-              <a:rPr lang="en-US" sz="3000" b="1">
+              <a:rPr lang="en-US" b="true" sz="3000">
                 <a:solidFill>
                   <a:srgbClr val="01386A"/>
                 </a:solidFill>
@@ -6073,7 +6956,7 @@
             </a:r>
           </a:p>
           <a:p>
-            <a:pPr marL="647700" lvl="1" indent="-323850" algn="l">
+            <a:pPr algn="l" marL="647700" indent="-323850" lvl="1">
               <a:lnSpc>
                 <a:spcPts val="7500"/>
               </a:lnSpc>
@@ -6093,7 +6976,7 @@
               <a:t>Integrates </a:t>
             </a:r>
             <a:r>
-              <a:rPr lang="en-US" sz="3000" b="1">
+              <a:rPr lang="en-US" b="true" sz="3000">
                 <a:solidFill>
                   <a:srgbClr val="01386A"/>
                 </a:solidFill>
@@ -6118,7 +7001,7 @@
             </a:r>
           </a:p>
           <a:p>
-            <a:pPr marL="647700" lvl="1" indent="-323850" algn="l">
+            <a:pPr algn="l" marL="647700" indent="-323850" lvl="1">
               <a:lnSpc>
                 <a:spcPts val="7500"/>
               </a:lnSpc>
@@ -6126,7 +7009,7 @@
               <a:buChar char="•"/>
             </a:pPr>
             <a:r>
-              <a:rPr lang="en-US" sz="3000" b="1">
+              <a:rPr lang="en-US" b="true" sz="3000">
                 <a:solidFill>
                   <a:srgbClr val="01386A"/>
                 </a:solidFill>
@@ -6151,7 +7034,7 @@
             </a:r>
           </a:p>
           <a:p>
-            <a:pPr marL="647700" lvl="1" indent="-323850" algn="l">
+            <a:pPr algn="l" marL="647700" indent="-323850" lvl="1">
               <a:lnSpc>
                 <a:spcPts val="7500"/>
               </a:lnSpc>
@@ -6171,7 +7054,7 @@
               <a:t>Employer Dashboard for </a:t>
             </a:r>
             <a:r>
-              <a:rPr lang="en-US" sz="3000" b="1">
+              <a:rPr lang="en-US" b="true" sz="3000">
                 <a:solidFill>
                   <a:srgbClr val="01386A"/>
                 </a:solidFill>
@@ -6196,7 +7079,7 @@
             </a:r>
           </a:p>
           <a:p>
-            <a:pPr marL="647700" lvl="1" indent="-323850" algn="l">
+            <a:pPr algn="l" marL="647700" indent="-323850" lvl="1">
               <a:lnSpc>
                 <a:spcPts val="7500"/>
               </a:lnSpc>
@@ -6216,7 +7099,7 @@
               <a:t>Future scope: </a:t>
             </a:r>
             <a:r>
-              <a:rPr lang="en-US" sz="3000" b="1">
+              <a:rPr lang="en-US" b="true" sz="3000">
                 <a:solidFill>
                   <a:srgbClr val="01386A"/>
                 </a:solidFill>
@@ -6251,7 +7134,7 @@
 </file>
 
 <file path=ppt/slides/slide7.xml><?xml version="1.0" encoding="utf-8"?>
-<p:sld xmlns:a="http://schemas.openxmlformats.org/drawingml/2006/main" xmlns:r="http://schemas.openxmlformats.org/officeDocument/2006/relationships" xmlns:p="http://schemas.openxmlformats.org/presentationml/2006/main">
+<p:sld xmlns:p="http://schemas.openxmlformats.org/presentationml/2006/main" xmlns:a="http://schemas.openxmlformats.org/drawingml/2006/main" xmlns:r="http://schemas.openxmlformats.org/officeDocument/2006/relationships">
   <p:cSld>
     <p:spTree>
       <p:nvGrpSpPr>
@@ -6269,12 +7152,12 @@
       </p:grpSpPr>
       <p:sp>
         <p:nvSpPr>
-          <p:cNvPr id="2" name="TextBox 2"/>
-          <p:cNvSpPr txBox="1"/>
+          <p:cNvPr name="TextBox 2" id="2"/>
+          <p:cNvSpPr txBox="true"/>
           <p:nvPr/>
         </p:nvSpPr>
         <p:spPr>
-          <a:xfrm>
+          <a:xfrm rot="0">
             <a:off x="0" y="285750"/>
             <a:ext cx="18288000" cy="766445"/>
           </a:xfrm>
@@ -6283,7 +7166,7 @@
           </a:prstGeom>
         </p:spPr>
         <p:txBody>
-          <a:bodyPr lIns="0" tIns="0" rIns="0" bIns="0" rtlCol="0" anchor="t">
+          <a:bodyPr anchor="t" rtlCol="false" tIns="0" lIns="0" bIns="0" rIns="0">
             <a:spAutoFit/>
           </a:bodyPr>
           <a:lstStyle/>
@@ -6294,7 +7177,7 @@
               </a:lnSpc>
             </a:pPr>
             <a:r>
-              <a:rPr lang="en-US" sz="5799" b="1">
+              <a:rPr lang="en-US" sz="5799" b="true">
                 <a:solidFill>
                   <a:srgbClr val="01386A"/>
                 </a:solidFill>
@@ -6310,12 +7193,12 @@
       </p:sp>
       <p:sp>
         <p:nvSpPr>
-          <p:cNvPr id="3" name="TextBox 3"/>
-          <p:cNvSpPr txBox="1"/>
+          <p:cNvPr name="TextBox 3" id="3"/>
+          <p:cNvSpPr txBox="true"/>
           <p:nvPr/>
         </p:nvSpPr>
         <p:spPr>
-          <a:xfrm>
+          <a:xfrm rot="0">
             <a:off x="1485244" y="3141826"/>
             <a:ext cx="7658756" cy="5267325"/>
           </a:xfrm>
@@ -6324,12 +7207,12 @@
           </a:prstGeom>
         </p:spPr>
         <p:txBody>
-          <a:bodyPr lIns="0" tIns="0" rIns="0" bIns="0" rtlCol="0" anchor="t">
+          <a:bodyPr anchor="t" rtlCol="false" tIns="0" lIns="0" bIns="0" rIns="0">
             <a:spAutoFit/>
           </a:bodyPr>
           <a:lstStyle/>
           <a:p>
-            <a:pPr marL="647700" lvl="1" indent="-323850" algn="l">
+            <a:pPr algn="l" marL="647700" indent="-323850" lvl="1">
               <a:lnSpc>
                 <a:spcPts val="6000"/>
               </a:lnSpc>
@@ -6346,11 +7229,23 @@
                 <a:cs typeface="DM Sans"/>
                 <a:sym typeface="DM Sans"/>
               </a:rPr>
-              <a:t>Students &amp; Job Seekers → One ID for all verified skills.</a:t>
-            </a:r>
-          </a:p>
-          <a:p>
-            <a:pPr marL="647700" lvl="1" indent="-323850" algn="l">
+              <a:t>S</a:t>
+            </a:r>
+            <a:r>
+              <a:rPr lang="en-US" sz="3000">
+                <a:solidFill>
+                  <a:srgbClr val="01386A"/>
+                </a:solidFill>
+                <a:latin typeface="DM Sans"/>
+                <a:ea typeface="DM Sans"/>
+                <a:cs typeface="DM Sans"/>
+                <a:sym typeface="DM Sans"/>
+              </a:rPr>
+              <a:t>tudents &amp; Job Seekers → One ID for all verified skills.</a:t>
+            </a:r>
+          </a:p>
+          <a:p>
+            <a:pPr algn="l" marL="647700" indent="-323850" lvl="1">
               <a:lnSpc>
                 <a:spcPts val="6000"/>
               </a:lnSpc>
@@ -6371,7 +7266,7 @@
             </a:r>
           </a:p>
           <a:p>
-            <a:pPr marL="647700" lvl="1" indent="-323850" algn="l">
+            <a:pPr algn="l" marL="647700" indent="-323850" lvl="1">
               <a:lnSpc>
                 <a:spcPts val="6000"/>
               </a:lnSpc>
@@ -6392,7 +7287,7 @@
             </a:r>
           </a:p>
           <a:p>
-            <a:pPr marL="647700" lvl="1" indent="-323850" algn="l">
+            <a:pPr algn="l" marL="647700" indent="-323850" lvl="1">
               <a:lnSpc>
                 <a:spcPts val="6000"/>
               </a:lnSpc>
@@ -6409,19 +7304,31 @@
                 <a:cs typeface="DM Sans"/>
                 <a:sym typeface="DM Sans"/>
               </a:rPr>
-              <a:t>Government → Workforce data for policy making.</a:t>
+              <a:t>Gover</a:t>
+            </a:r>
+            <a:r>
+              <a:rPr lang="en-US" sz="3000">
+                <a:solidFill>
+                  <a:srgbClr val="01386A"/>
+                </a:solidFill>
+                <a:latin typeface="DM Sans"/>
+                <a:ea typeface="DM Sans"/>
+                <a:cs typeface="DM Sans"/>
+                <a:sym typeface="DM Sans"/>
+              </a:rPr>
+              <a:t>nment → Workforce data for policy making.</a:t>
             </a:r>
           </a:p>
         </p:txBody>
       </p:sp>
       <p:grpSp>
         <p:nvGrpSpPr>
-          <p:cNvPr id="4" name="Group 4"/>
+          <p:cNvPr name="Group 4" id="4"/>
           <p:cNvGrpSpPr/>
           <p:nvPr/>
         </p:nvGrpSpPr>
         <p:grpSpPr>
-          <a:xfrm>
+          <a:xfrm rot="0">
             <a:off x="16387576" y="71341"/>
             <a:ext cx="1786124" cy="1687887"/>
             <a:chOff x="0" y="0"/>
@@ -6430,12 +7337,12 @@
         </p:grpSpPr>
         <p:sp>
           <p:nvSpPr>
-            <p:cNvPr id="5" name="Freeform 5"/>
+            <p:cNvPr name="Freeform 5" id="5"/>
             <p:cNvSpPr/>
             <p:nvPr/>
           </p:nvSpPr>
           <p:spPr>
-            <a:xfrm>
+            <a:xfrm flipH="false" flipV="false" rot="0">
               <a:off x="0" y="0"/>
               <a:ext cx="2381504" cy="2250567"/>
             </a:xfrm>
@@ -6444,9 +7351,9 @@
               <a:gdLst/>
               <a:ahLst/>
               <a:cxnLst/>
-              <a:rect l="l" t="t" r="r" b="b"/>
+              <a:rect r="r" b="b" t="t" l="l"/>
               <a:pathLst>
-                <a:path w="2381504" h="2250567">
+                <a:path h="2250567" w="2381504">
                   <a:moveTo>
                     <a:pt x="0" y="0"/>
                   </a:moveTo>
@@ -6469,7 +7376,7 @@
             <a:blipFill>
               <a:blip r:embed="rId2"/>
               <a:stretch>
-                <a:fillRect t="-99" b="-96"/>
+                <a:fillRect l="0" t="-99" r="0" b="-96"/>
               </a:stretch>
             </a:blipFill>
           </p:spPr>
@@ -6477,12 +7384,12 @@
       </p:grpSp>
       <p:sp>
         <p:nvSpPr>
-          <p:cNvPr id="6" name="Freeform 6"/>
+          <p:cNvPr name="Freeform 6" id="6"/>
           <p:cNvSpPr/>
           <p:nvPr/>
         </p:nvSpPr>
         <p:spPr>
-          <a:xfrm>
+          <a:xfrm flipH="false" flipV="false" rot="0">
             <a:off x="0" y="-20754"/>
             <a:ext cx="4647320" cy="5024130"/>
           </a:xfrm>
@@ -6491,9 +7398,9 @@
             <a:gdLst/>
             <a:ahLst/>
             <a:cxnLst/>
-            <a:rect l="l" t="t" r="r" b="b"/>
+            <a:rect r="r" b="b" t="t" l="l"/>
             <a:pathLst>
-              <a:path w="4647320" h="5024130">
+              <a:path h="5024130" w="4647320">
                 <a:moveTo>
                   <a:pt x="0" y="0"/>
                 </a:moveTo>
@@ -6522,19 +7429,19 @@
               </a:extLst>
             </a:blip>
             <a:stretch>
-              <a:fillRect t="-40" b="-40"/>
+              <a:fillRect l="0" t="-40" r="0" b="-40"/>
             </a:stretch>
           </a:blipFill>
         </p:spPr>
       </p:sp>
       <p:sp>
         <p:nvSpPr>
-          <p:cNvPr id="7" name="Freeform 7"/>
+          <p:cNvPr name="Freeform 7" id="7"/>
           <p:cNvSpPr/>
           <p:nvPr/>
         </p:nvSpPr>
         <p:spPr>
-          <a:xfrm>
+          <a:xfrm flipH="false" flipV="false" rot="0">
             <a:off x="15337087" y="7748684"/>
             <a:ext cx="2950913" cy="2520998"/>
           </a:xfrm>
@@ -6543,9 +7450,9 @@
             <a:gdLst/>
             <a:ahLst/>
             <a:cxnLst/>
-            <a:rect l="l" t="t" r="r" b="b"/>
+            <a:rect r="r" b="b" t="t" l="l"/>
             <a:pathLst>
-              <a:path w="2950913" h="2520998">
+              <a:path h="2520998" w="2950913">
                 <a:moveTo>
                   <a:pt x="0" y="0"/>
                 </a:moveTo>
@@ -6574,19 +7481,19 @@
               </a:extLst>
             </a:blip>
             <a:stretch>
-              <a:fillRect t="-8337" b="-8337"/>
+              <a:fillRect l="0" t="-8337" r="0" b="-8337"/>
             </a:stretch>
           </a:blipFill>
         </p:spPr>
       </p:sp>
       <p:sp>
         <p:nvSpPr>
-          <p:cNvPr id="8" name="TextBox 8"/>
-          <p:cNvSpPr txBox="1"/>
+          <p:cNvPr name="TextBox 8" id="8"/>
+          <p:cNvSpPr txBox="true"/>
           <p:nvPr/>
         </p:nvSpPr>
         <p:spPr>
-          <a:xfrm>
+          <a:xfrm rot="0">
             <a:off x="9144000" y="2243936"/>
             <a:ext cx="8115300" cy="612140"/>
           </a:xfrm>
@@ -6595,7 +7502,7 @@
           </a:prstGeom>
         </p:spPr>
         <p:txBody>
-          <a:bodyPr lIns="0" tIns="0" rIns="0" bIns="0" rtlCol="0" anchor="t">
+          <a:bodyPr anchor="t" rtlCol="false" tIns="0" lIns="0" bIns="0" rIns="0">
             <a:spAutoFit/>
           </a:bodyPr>
           <a:lstStyle/>
@@ -6609,7 +7516,7 @@
               </a:spcBef>
             </a:pPr>
             <a:r>
-              <a:rPr lang="en-US" sz="4600" b="1" i="1" u="sng">
+              <a:rPr lang="en-US" b="true" sz="4600" i="true" u="sng">
                 <a:solidFill>
                   <a:srgbClr val="01386A"/>
                 </a:solidFill>
@@ -6618,19 +7525,31 @@
                 <a:cs typeface="DM Sans Bold Italics"/>
                 <a:sym typeface="DM Sans Bold Italics"/>
               </a:rPr>
-              <a:t>Expected Impact:</a:t>
+              <a:t>Exp</a:t>
+            </a:r>
+            <a:r>
+              <a:rPr lang="en-US" b="true" sz="4600" i="true" u="sng">
+                <a:solidFill>
+                  <a:srgbClr val="01386A"/>
+                </a:solidFill>
+                <a:latin typeface="DM Sans Bold Italics"/>
+                <a:ea typeface="DM Sans Bold Italics"/>
+                <a:cs typeface="DM Sans Bold Italics"/>
+                <a:sym typeface="DM Sans Bold Italics"/>
+              </a:rPr>
+              <a:t>ected Impact:</a:t>
             </a:r>
           </a:p>
         </p:txBody>
       </p:sp>
       <p:sp>
         <p:nvSpPr>
-          <p:cNvPr id="9" name="TextBox 9"/>
-          <p:cNvSpPr txBox="1"/>
+          <p:cNvPr name="TextBox 9" id="9"/>
+          <p:cNvSpPr txBox="true"/>
           <p:nvPr/>
         </p:nvSpPr>
         <p:spPr>
-          <a:xfrm>
+          <a:xfrm rot="0">
             <a:off x="9144000" y="3478205"/>
             <a:ext cx="8115300" cy="3743325"/>
           </a:xfrm>
@@ -6639,12 +7558,12 @@
           </a:prstGeom>
         </p:spPr>
         <p:txBody>
-          <a:bodyPr lIns="0" tIns="0" rIns="0" bIns="0" rtlCol="0" anchor="t">
+          <a:bodyPr anchor="t" rtlCol="false" tIns="0" lIns="0" bIns="0" rIns="0">
             <a:spAutoFit/>
           </a:bodyPr>
           <a:lstStyle/>
           <a:p>
-            <a:pPr marL="647700" lvl="1" indent="-323850" algn="l">
+            <a:pPr algn="l" marL="647700" indent="-323850" lvl="1">
               <a:lnSpc>
                 <a:spcPts val="6000"/>
               </a:lnSpc>
@@ -6661,11 +7580,23 @@
                 <a:cs typeface="DM Sans"/>
                 <a:sym typeface="DM Sans"/>
               </a:rPr>
-              <a:t>✔ Eliminates fake certificates &amp; fraud.</a:t>
-            </a:r>
-          </a:p>
-          <a:p>
-            <a:pPr marL="647700" lvl="1" indent="-323850" algn="l">
+              <a:t>✔ Elimin</a:t>
+            </a:r>
+            <a:r>
+              <a:rPr lang="en-US" sz="3000">
+                <a:solidFill>
+                  <a:srgbClr val="01386A"/>
+                </a:solidFill>
+                <a:latin typeface="DM Sans"/>
+                <a:ea typeface="DM Sans"/>
+                <a:cs typeface="DM Sans"/>
+                <a:sym typeface="DM Sans"/>
+              </a:rPr>
+              <a:t>ates fake certificates &amp; fraud.</a:t>
+            </a:r>
+          </a:p>
+          <a:p>
+            <a:pPr algn="l" marL="647700" indent="-323850" lvl="1">
               <a:lnSpc>
                 <a:spcPts val="6000"/>
               </a:lnSpc>
@@ -6686,7 +7617,7 @@
             </a:r>
           </a:p>
           <a:p>
-            <a:pPr marL="647700" lvl="1" indent="-323850" algn="l">
+            <a:pPr algn="l" marL="647700" indent="-323850" lvl="1">
               <a:lnSpc>
                 <a:spcPts val="6000"/>
               </a:lnSpc>
@@ -6706,7 +7637,7 @@
               <a:t> ✔ Builds a </a:t>
             </a:r>
             <a:r>
-              <a:rPr lang="en-US" sz="3000" b="1">
+              <a:rPr lang="en-US" b="true" sz="3000">
                 <a:solidFill>
                   <a:srgbClr val="01386A"/>
                 </a:solidFill>
@@ -6731,7 +7662,7 @@
             </a:r>
           </a:p>
           <a:p>
-            <a:pPr marL="647700" lvl="1" indent="-323850" algn="l">
+            <a:pPr algn="l" marL="647700" indent="-323850" lvl="1">
               <a:lnSpc>
                 <a:spcPts val="6000"/>
               </a:lnSpc>
@@ -6751,7 +7682,7 @@
               <a:t> ✔ Creates </a:t>
             </a:r>
             <a:r>
-              <a:rPr lang="en-US" sz="3000" b="1">
+              <a:rPr lang="en-US" b="true" sz="3000">
                 <a:solidFill>
                   <a:srgbClr val="01386A"/>
                 </a:solidFill>
@@ -6779,12 +7710,12 @@
       </p:sp>
       <p:sp>
         <p:nvSpPr>
-          <p:cNvPr id="10" name="TextBox 10"/>
-          <p:cNvSpPr txBox="1"/>
+          <p:cNvPr name="TextBox 10" id="10"/>
+          <p:cNvSpPr txBox="true"/>
           <p:nvPr/>
         </p:nvSpPr>
         <p:spPr>
-          <a:xfrm>
+          <a:xfrm rot="0">
             <a:off x="1485244" y="2228103"/>
             <a:ext cx="7658756" cy="612140"/>
           </a:xfrm>
@@ -6793,7 +7724,7 @@
           </a:prstGeom>
         </p:spPr>
         <p:txBody>
-          <a:bodyPr lIns="0" tIns="0" rIns="0" bIns="0" rtlCol="0" anchor="t">
+          <a:bodyPr anchor="t" rtlCol="false" tIns="0" lIns="0" bIns="0" rIns="0">
             <a:spAutoFit/>
           </a:bodyPr>
           <a:lstStyle/>
@@ -6807,7 +7738,7 @@
               </a:spcBef>
             </a:pPr>
             <a:r>
-              <a:rPr lang="en-US" sz="4600" b="1" i="1" u="sng">
+              <a:rPr lang="en-US" b="true" sz="4600" i="true" u="sng">
                 <a:solidFill>
                   <a:srgbClr val="01386A"/>
                 </a:solidFill>
